--- a/Case study1016.pptx
+++ b/Case study1016.pptx
@@ -4060,8 +4060,8 @@
         </p:nvSpPr>
         <p:spPr>
           <a:xfrm>
-            <a:off x="507998" y="1719071"/>
-            <a:ext cx="8226569" cy="4407408"/>
+            <a:off x="507999" y="1719071"/>
+            <a:ext cx="5041678" cy="4407408"/>
           </a:xfrm>
         </p:spPr>
         <p:txBody>
@@ -4074,15 +4074,7 @@
             </a:r>
             <a:r>
               <a:rPr lang="en-US" dirty="0" smtClean="0"/>
-              <a:t>our </a:t>
-            </a:r>
-            <a:r>
-              <a:rPr lang="en-US" dirty="0" smtClean="0"/>
-              <a:t>top selling beers, Bud Light and Budweiser are under the median ABVs and IBUs as compared to craft beers</a:t>
-            </a:r>
-            <a:r>
-              <a:rPr lang="en-US" dirty="0" smtClean="0"/>
-              <a:t>.</a:t>
+              <a:t>our top selling beers, Bud Light and Budweiser are under the median ABVs and IBUs as compared to craft beers.</a:t>
             </a:r>
           </a:p>
           <a:p>
@@ -4157,7 +4149,7 @@
         </p:blipFill>
         <p:spPr bwMode="auto">
           <a:xfrm>
-            <a:off x="1808943" y="4167890"/>
+            <a:off x="6874934" y="5438568"/>
             <a:ext cx="3542285" cy="1069700"/>
           </a:xfrm>
           <a:prstGeom prst="rect">
@@ -4198,70 +4190,16 @@
           </a:extLst>
         </p:spPr>
       </p:pic>
-      <p:pic>
-        <p:nvPicPr>
-          <p:cNvPr id="4099" name="Picture 3"/>
-          <p:cNvPicPr>
-            <a:picLocks noChangeAspect="1" noChangeArrowheads="1"/>
-          </p:cNvPicPr>
-          <p:nvPr/>
-        </p:nvPicPr>
-        <p:blipFill>
-          <a:blip r:embed="rId3">
-            <a:extLst>
-              <a:ext uri="{28A0092B-C50C-407E-A947-70E740481C1C}">
-                <a14:useLocalDpi xmlns:a14="http://schemas.microsoft.com/office/drawing/2010/main"/>
-              </a:ext>
-            </a:extLst>
-          </a:blip>
-          <a:srcRect/>
-          <a:stretch>
-            <a:fillRect/>
-          </a:stretch>
-        </p:blipFill>
-        <p:spPr bwMode="auto">
-          <a:xfrm>
-            <a:off x="8761863" y="1529023"/>
-            <a:ext cx="1361999" cy="5145537"/>
-          </a:xfrm>
-          <a:prstGeom prst="rect">
-            <a:avLst/>
-          </a:prstGeom>
-          <a:noFill/>
-          <a:ln>
-            <a:noFill/>
-          </a:ln>
-          <a:extLst>
-            <a:ext uri="{909E8E84-426E-40DD-AFC4-6F175D3DCCD1}">
-              <a14:hiddenFill xmlns:a14="http://schemas.microsoft.com/office/drawing/2010/main">
-                <a:solidFill>
-                  <a:schemeClr val="accent1"/>
-                </a:solidFill>
-              </a14:hiddenFill>
-            </a:ext>
-            <a:ext uri="{91240B29-F687-4F45-9708-019B960494DF}">
-              <a14:hiddenLine xmlns:a14="http://schemas.microsoft.com/office/drawing/2010/main" w="9525">
-                <a:solidFill>
-                  <a:schemeClr val="tx1"/>
-                </a:solidFill>
-                <a:miter lim="800000"/>
-                <a:headEnd/>
-                <a:tailEnd/>
-              </a14:hiddenLine>
-            </a:ext>
-          </a:extLst>
-        </p:spPr>
-      </p:pic>
       <p:sp>
         <p:nvSpPr>
-          <p:cNvPr id="7" name="Oval 6"/>
+          <p:cNvPr id="13" name="Oval 12"/>
           <p:cNvSpPr/>
           <p:nvPr/>
         </p:nvSpPr>
         <p:spPr>
           <a:xfrm>
-            <a:off x="9678202" y="5749459"/>
-            <a:ext cx="137160" cy="137160"/>
+            <a:off x="6559976" y="5827825"/>
+            <a:ext cx="314957" cy="288347"/>
           </a:xfrm>
           <a:prstGeom prst="ellipse">
             <a:avLst/>
@@ -4304,14 +4242,14 @@
       </p:sp>
       <p:sp>
         <p:nvSpPr>
-          <p:cNvPr id="9" name="Oval 8"/>
+          <p:cNvPr id="14" name="Oval 13"/>
           <p:cNvSpPr/>
           <p:nvPr/>
         </p:nvSpPr>
         <p:spPr>
           <a:xfrm>
-            <a:off x="9675154" y="5973418"/>
-            <a:ext cx="137160" cy="137160"/>
+            <a:off x="6559977" y="6219921"/>
+            <a:ext cx="314957" cy="288347"/>
           </a:xfrm>
           <a:prstGeom prst="ellipse">
             <a:avLst/>
@@ -4354,17 +4292,17 @@
       </p:sp>
       <p:pic>
         <p:nvPicPr>
-          <p:cNvPr id="4100" name="Picture 4"/>
+          <p:cNvPr id="2052" name="Picture 4"/>
           <p:cNvPicPr>
             <a:picLocks noChangeAspect="1" noChangeArrowheads="1"/>
           </p:cNvPicPr>
           <p:nvPr/>
         </p:nvPicPr>
         <p:blipFill>
-          <a:blip r:embed="rId4">
+          <a:blip r:embed="rId3">
             <a:extLst>
               <a:ext uri="{28A0092B-C50C-407E-A947-70E740481C1C}">
-                <a14:useLocalDpi xmlns:a14="http://schemas.microsoft.com/office/drawing/2010/main"/>
+                <a14:useLocalDpi xmlns:a14="http://schemas.microsoft.com/office/drawing/2010/main" val="0"/>
               </a:ext>
             </a:extLst>
           </a:blip>
@@ -4375,8 +4313,62 @@
         </p:blipFill>
         <p:spPr bwMode="auto">
           <a:xfrm>
-            <a:off x="10231324" y="1542671"/>
-            <a:ext cx="1382921" cy="5145537"/>
+            <a:off x="5549677" y="1609645"/>
+            <a:ext cx="3345359" cy="2814398"/>
+          </a:xfrm>
+          <a:prstGeom prst="rect">
+            <a:avLst/>
+          </a:prstGeom>
+          <a:noFill/>
+          <a:ln>
+            <a:noFill/>
+          </a:ln>
+          <a:extLst>
+            <a:ext uri="{909E8E84-426E-40DD-AFC4-6F175D3DCCD1}">
+              <a14:hiddenFill xmlns:a14="http://schemas.microsoft.com/office/drawing/2010/main">
+                <a:solidFill>
+                  <a:schemeClr val="accent1"/>
+                </a:solidFill>
+              </a14:hiddenFill>
+            </a:ext>
+            <a:ext uri="{91240B29-F687-4F45-9708-019B960494DF}">
+              <a14:hiddenLine xmlns:a14="http://schemas.microsoft.com/office/drawing/2010/main" w="9525">
+                <a:solidFill>
+                  <a:schemeClr val="tx1"/>
+                </a:solidFill>
+                <a:miter lim="800000"/>
+                <a:headEnd/>
+                <a:tailEnd/>
+              </a14:hiddenLine>
+            </a:ext>
+          </a:extLst>
+        </p:spPr>
+      </p:pic>
+      <p:pic>
+        <p:nvPicPr>
+          <p:cNvPr id="2051" name="Picture 3"/>
+          <p:cNvPicPr>
+            <a:picLocks noChangeAspect="1" noChangeArrowheads="1"/>
+          </p:cNvPicPr>
+          <p:nvPr/>
+        </p:nvPicPr>
+        <p:blipFill>
+          <a:blip r:embed="rId4">
+            <a:extLst>
+              <a:ext uri="{28A0092B-C50C-407E-A947-70E740481C1C}">
+                <a14:useLocalDpi xmlns:a14="http://schemas.microsoft.com/office/drawing/2010/main" val="0"/>
+              </a:ext>
+            </a:extLst>
+          </a:blip>
+          <a:srcRect/>
+          <a:stretch>
+            <a:fillRect/>
+          </a:stretch>
+        </p:blipFill>
+        <p:spPr bwMode="auto">
+          <a:xfrm>
+            <a:off x="8646077" y="1599016"/>
+            <a:ext cx="3376471" cy="2814398"/>
           </a:xfrm>
           <a:prstGeom prst="rect">
             <a:avLst/>
@@ -4414,7 +4406,7 @@
         </p:nvSpPr>
         <p:spPr>
           <a:xfrm>
-            <a:off x="11302157" y="2756195"/>
+            <a:off x="10043422" y="3176960"/>
             <a:ext cx="137160" cy="137160"/>
           </a:xfrm>
           <a:prstGeom prst="ellipse">
@@ -4464,7 +4456,7 @@
         </p:nvSpPr>
         <p:spPr>
           <a:xfrm>
-            <a:off x="11299109" y="3322764"/>
+            <a:off x="10040374" y="3232904"/>
             <a:ext cx="137160" cy="137160"/>
           </a:xfrm>
           <a:prstGeom prst="ellipse">
@@ -4508,20 +4500,20 @@
       </p:sp>
       <p:sp>
         <p:nvSpPr>
-          <p:cNvPr id="13" name="Oval 12"/>
+          <p:cNvPr id="9" name="Oval 8"/>
           <p:cNvSpPr/>
           <p:nvPr/>
         </p:nvSpPr>
         <p:spPr>
           <a:xfrm>
-            <a:off x="1493985" y="4557147"/>
-            <a:ext cx="314957" cy="288347"/>
+            <a:off x="6420955" y="4003370"/>
+            <a:ext cx="137160" cy="137160"/>
           </a:xfrm>
           <a:prstGeom prst="ellipse">
             <a:avLst/>
           </a:prstGeom>
           <a:solidFill>
-            <a:srgbClr val="FF0000"/>
+            <a:srgbClr val="00B050"/>
           </a:solidFill>
           <a:ln>
             <a:noFill/>
@@ -4558,20 +4550,20 @@
       </p:sp>
       <p:sp>
         <p:nvSpPr>
-          <p:cNvPr id="14" name="Oval 13"/>
+          <p:cNvPr id="7" name="Oval 6"/>
           <p:cNvSpPr/>
           <p:nvPr/>
         </p:nvSpPr>
         <p:spPr>
           <a:xfrm>
-            <a:off x="1493986" y="4949243"/>
-            <a:ext cx="314957" cy="288347"/>
+            <a:off x="6424003" y="3969411"/>
+            <a:ext cx="137160" cy="137160"/>
           </a:xfrm>
           <a:prstGeom prst="ellipse">
             <a:avLst/>
           </a:prstGeom>
           <a:solidFill>
-            <a:srgbClr val="00B050"/>
+            <a:srgbClr val="FF0000"/>
           </a:solidFill>
           <a:ln>
             <a:noFill/>
@@ -4939,38 +4931,56 @@
       </p:pic>
       <p:pic>
         <p:nvPicPr>
-          <p:cNvPr id="4" name="Picture 3">
-            <a:extLst>
-              <a:ext uri="{FF2B5EF4-FFF2-40B4-BE49-F238E27FC236}">
-                <a16:creationId xmlns="" xmlns:a16="http://schemas.microsoft.com/office/drawing/2014/main" id="{3FBE0E12-D10B-4770-AB50-2BD7609E2E66}"/>
-              </a:ext>
-            </a:extLst>
-          </p:cNvPr>
+          <p:cNvPr id="3074" name="Picture 2"/>
           <p:cNvPicPr>
-            <a:picLocks noChangeAspect="1"/>
+            <a:picLocks noChangeAspect="1" noChangeArrowheads="1"/>
           </p:cNvPicPr>
           <p:nvPr/>
         </p:nvPicPr>
         <p:blipFill>
-          <a:blip r:embed="rId4" cstate="screen">
+          <a:blip r:embed="rId4">
             <a:extLst>
               <a:ext uri="{28A0092B-C50C-407E-A947-70E740481C1C}">
-                <a14:useLocalDpi xmlns:a14="http://schemas.microsoft.com/office/drawing/2010/main"/>
+                <a14:useLocalDpi xmlns:a14="http://schemas.microsoft.com/office/drawing/2010/main" val="0"/>
               </a:ext>
             </a:extLst>
           </a:blip>
+          <a:srcRect/>
           <a:stretch>
             <a:fillRect/>
           </a:stretch>
         </p:blipFill>
-        <p:spPr>
+        <p:spPr bwMode="auto">
           <a:xfrm>
-            <a:off x="214629" y="1572251"/>
-            <a:ext cx="3752801" cy="2680572"/>
+            <a:off x="199902" y="1635705"/>
+            <a:ext cx="3844808" cy="2746290"/>
           </a:xfrm>
           <a:prstGeom prst="rect">
             <a:avLst/>
           </a:prstGeom>
+          <a:noFill/>
+          <a:ln>
+            <a:noFill/>
+          </a:ln>
+          <a:extLst>
+            <a:ext uri="{909E8E84-426E-40DD-AFC4-6F175D3DCCD1}">
+              <a14:hiddenFill xmlns:a14="http://schemas.microsoft.com/office/drawing/2010/main">
+                <a:solidFill>
+                  <a:schemeClr val="accent1"/>
+                </a:solidFill>
+              </a14:hiddenFill>
+            </a:ext>
+            <a:ext uri="{91240B29-F687-4F45-9708-019B960494DF}">
+              <a14:hiddenLine xmlns:a14="http://schemas.microsoft.com/office/drawing/2010/main" w="9525">
+                <a:solidFill>
+                  <a:schemeClr val="tx1"/>
+                </a:solidFill>
+                <a:miter lim="800000"/>
+                <a:headEnd/>
+                <a:tailEnd/>
+              </a14:hiddenLine>
+            </a:ext>
+          </a:extLst>
         </p:spPr>
       </p:pic>
     </p:spTree>
@@ -5027,22 +5037,14 @@
           <a:p>
             <a:r>
               <a:rPr lang="en-US" dirty="0" smtClean="0"/>
-              <a:t>According to Brewers Association for Small and Independent Craft </a:t>
-            </a:r>
+              <a:t>According to Brewers Association for Small and Independent Craft Brewers</a:t>
+            </a:r>
+          </a:p>
+          <a:p>
+            <a:pPr lvl="1"/>
             <a:r>
               <a:rPr lang="en-US" dirty="0" smtClean="0"/>
-              <a:t>Brewers</a:t>
-            </a:r>
-          </a:p>
-          <a:p>
-            <a:pPr lvl="1"/>
-            <a:r>
-              <a:rPr lang="en-US" dirty="0" smtClean="0"/>
-              <a:t>O</a:t>
-            </a:r>
-            <a:r>
-              <a:rPr lang="en-US" dirty="0" smtClean="0"/>
-              <a:t>verall </a:t>
+              <a:t>Overall </a:t>
             </a:r>
             <a:r>
               <a:rPr lang="en-US" dirty="0"/>
@@ -5088,11 +5090,7 @@
             <a:pPr lvl="1"/>
             <a:r>
               <a:rPr lang="en-US" dirty="0" smtClean="0"/>
-              <a:t>Craft a</a:t>
-            </a:r>
-            <a:r>
-              <a:rPr lang="en-US" dirty="0" smtClean="0"/>
-              <a:t>ccount </a:t>
+              <a:t>Craft account </a:t>
             </a:r>
             <a:r>
               <a:rPr lang="en-US" dirty="0"/>
@@ -5300,21 +5298,8 @@
           <a:p>
             <a:r>
               <a:rPr lang="en-US" dirty="0" smtClean="0"/>
-              <a:t>While Anheuser Busch still has a large market share, </a:t>
-            </a:r>
-            <a:r>
-              <a:rPr lang="en-US" dirty="0" smtClean="0"/>
-              <a:t>but craft </a:t>
-            </a:r>
-            <a:r>
-              <a:rPr lang="en-US" dirty="0" smtClean="0"/>
-              <a:t>breweries are on the rise and are a threat to future market </a:t>
-            </a:r>
-            <a:r>
-              <a:rPr lang="en-US" dirty="0" smtClean="0"/>
-              <a:t>share</a:t>
-            </a:r>
-            <a:endParaRPr lang="en-US" dirty="0" smtClean="0"/>
+              <a:t>While Anheuser Busch still has a large market share, but craft breweries are on the rise and are a threat to future market share</a:t>
+            </a:r>
           </a:p>
           <a:p>
             <a:r>
@@ -11767,7 +11752,6 @@
               <a:rPr lang="en-US" dirty="0"/>
               <a:t>with 47 breweries </a:t>
             </a:r>
-            <a:endParaRPr lang="en-US" dirty="0"/>
           </a:p>
           <a:p>
             <a:r>
@@ -11791,17 +11775,8 @@
             </a:r>
             <a:r>
               <a:rPr lang="en-US" dirty="0" smtClean="0"/>
-              <a:t>ood </a:t>
-            </a:r>
-            <a:r>
-              <a:rPr lang="en-US" dirty="0" smtClean="0"/>
-              <a:t>indicator of </a:t>
-            </a:r>
-            <a:r>
-              <a:rPr lang="en-US" dirty="0" smtClean="0"/>
-              <a:t>market saturation per state</a:t>
-            </a:r>
-            <a:endParaRPr lang="en-US" dirty="0" smtClean="0"/>
+              <a:t>ood indicator of market saturation per state</a:t>
+            </a:r>
           </a:p>
           <a:p>
             <a:endParaRPr lang="en-US" dirty="0"/>
@@ -11949,7 +11924,6 @@
               <a:rPr lang="en-US" dirty="0" smtClean="0"/>
               <a:t>. </a:t>
             </a:r>
-            <a:endParaRPr lang="en-US" dirty="0" smtClean="0"/>
           </a:p>
           <a:p>
             <a:r>
@@ -11958,19 +11932,7 @@
             </a:r>
             <a:r>
               <a:rPr lang="en-US" dirty="0" smtClean="0"/>
-              <a:t>ompared to </a:t>
-            </a:r>
-            <a:r>
-              <a:rPr lang="en-US" dirty="0" smtClean="0"/>
-              <a:t>your #1 best </a:t>
-            </a:r>
-            <a:r>
-              <a:rPr lang="en-US" dirty="0" smtClean="0"/>
-              <a:t>seller- </a:t>
-            </a:r>
-            <a:r>
-              <a:rPr lang="en-US" dirty="0" smtClean="0"/>
-              <a:t>Bud Light. </a:t>
+              <a:t>ompared to your #1 best seller- Bud Light. </a:t>
             </a:r>
           </a:p>
           <a:p>
@@ -11999,17 +11961,12 @@
               <a:rPr lang="en-US" dirty="0" smtClean="0"/>
               <a:t>majority range between 0.050 to 0.063. </a:t>
             </a:r>
-            <a:endParaRPr lang="en-US" dirty="0" smtClean="0"/>
           </a:p>
           <a:p>
             <a:pPr lvl="2"/>
             <a:r>
               <a:rPr lang="en-US" dirty="0" smtClean="0"/>
-              <a:t>Bud Light </a:t>
-            </a:r>
-            <a:r>
-              <a:rPr lang="en-US" dirty="0" smtClean="0"/>
-              <a:t>is 0.042, below the </a:t>
+              <a:t>Bud Light is 0.042, below the </a:t>
             </a:r>
             <a:r>
               <a:rPr lang="en-US" dirty="0"/>
@@ -12059,19 +12016,7 @@
             <a:pPr lvl="2"/>
             <a:r>
               <a:rPr lang="en-US" dirty="0" smtClean="0"/>
-              <a:t>Bud </a:t>
-            </a:r>
-            <a:r>
-              <a:rPr lang="en-US" dirty="0" smtClean="0"/>
-              <a:t>Light </a:t>
-            </a:r>
-            <a:r>
-              <a:rPr lang="en-US" dirty="0" smtClean="0"/>
-              <a:t>is </a:t>
-            </a:r>
-            <a:r>
-              <a:rPr lang="en-US" dirty="0" smtClean="0"/>
-              <a:t>10, far below the median of each state</a:t>
+              <a:t>Bud Light is 10, far below the median of each state</a:t>
             </a:r>
             <a:endParaRPr lang="en-US" dirty="0"/>
           </a:p>
@@ -12112,78 +12057,6 @@
       </p:sp>
       <p:pic>
         <p:nvPicPr>
-          <p:cNvPr id="2" name="Picture 1">
-            <a:extLst>
-              <a:ext uri="{FF2B5EF4-FFF2-40B4-BE49-F238E27FC236}">
-                <a16:creationId xmlns="" xmlns:a16="http://schemas.microsoft.com/office/drawing/2014/main" id="{340C9B59-5FD0-4CFF-BF5D-7B1EFAC9B661}"/>
-              </a:ext>
-            </a:extLst>
-          </p:cNvPr>
-          <p:cNvPicPr>
-            <a:picLocks noChangeAspect="1"/>
-          </p:cNvPicPr>
-          <p:nvPr/>
-        </p:nvPicPr>
-        <p:blipFill>
-          <a:blip r:embed="rId2" cstate="screen">
-            <a:extLst>
-              <a:ext uri="{28A0092B-C50C-407E-A947-70E740481C1C}">
-                <a14:useLocalDpi xmlns:a14="http://schemas.microsoft.com/office/drawing/2010/main"/>
-              </a:ext>
-            </a:extLst>
-          </a:blip>
-          <a:stretch>
-            <a:fillRect/>
-          </a:stretch>
-        </p:blipFill>
-        <p:spPr>
-          <a:xfrm>
-            <a:off x="709684" y="3842274"/>
-            <a:ext cx="3707104" cy="2647932"/>
-          </a:xfrm>
-          <a:prstGeom prst="rect">
-            <a:avLst/>
-          </a:prstGeom>
-        </p:spPr>
-      </p:pic>
-      <p:pic>
-        <p:nvPicPr>
-          <p:cNvPr id="5" name="Picture 4">
-            <a:extLst>
-              <a:ext uri="{FF2B5EF4-FFF2-40B4-BE49-F238E27FC236}">
-                <a16:creationId xmlns="" xmlns:a16="http://schemas.microsoft.com/office/drawing/2014/main" id="{F4FD775D-1928-4989-BC1F-C99DE848AE53}"/>
-              </a:ext>
-            </a:extLst>
-          </p:cNvPr>
-          <p:cNvPicPr>
-            <a:picLocks noChangeAspect="1"/>
-          </p:cNvPicPr>
-          <p:nvPr/>
-        </p:nvPicPr>
-        <p:blipFill>
-          <a:blip r:embed="rId3" cstate="screen">
-            <a:extLst>
-              <a:ext uri="{28A0092B-C50C-407E-A947-70E740481C1C}">
-                <a14:useLocalDpi xmlns:a14="http://schemas.microsoft.com/office/drawing/2010/main"/>
-              </a:ext>
-            </a:extLst>
-          </a:blip>
-          <a:stretch>
-            <a:fillRect/>
-          </a:stretch>
-        </p:blipFill>
-        <p:spPr>
-          <a:xfrm>
-            <a:off x="4658971" y="3842273"/>
-            <a:ext cx="3802641" cy="2716172"/>
-          </a:xfrm>
-          <a:prstGeom prst="rect">
-            <a:avLst/>
-          </a:prstGeom>
-        </p:spPr>
-      </p:pic>
-      <p:pic>
-        <p:nvPicPr>
           <p:cNvPr id="2051" name="Picture 3"/>
           <p:cNvPicPr>
             <a:picLocks noChangeAspect="1" noChangeArrowheads="1"/>
@@ -12191,7 +12064,7 @@
           <p:nvPr/>
         </p:nvPicPr>
         <p:blipFill>
-          <a:blip r:embed="rId4" cstate="screen">
+          <a:blip r:embed="rId2" cstate="screen">
             <a:extLst>
               <a:ext uri="{28A0092B-C50C-407E-A947-70E740481C1C}">
                 <a14:useLocalDpi xmlns:a14="http://schemas.microsoft.com/office/drawing/2010/main"/>
@@ -12274,6 +12147,153 @@
           </a:p>
         </p:txBody>
       </p:sp>
+      <p:pic>
+        <p:nvPicPr>
+          <p:cNvPr id="1026" name="Picture 2"/>
+          <p:cNvPicPr>
+            <a:picLocks noChangeAspect="1" noChangeArrowheads="1"/>
+          </p:cNvPicPr>
+          <p:nvPr/>
+        </p:nvPicPr>
+        <p:blipFill>
+          <a:blip r:embed="rId3">
+            <a:extLst>
+              <a:ext uri="{28A0092B-C50C-407E-A947-70E740481C1C}">
+                <a14:useLocalDpi xmlns:a14="http://schemas.microsoft.com/office/drawing/2010/main" val="0"/>
+              </a:ext>
+            </a:extLst>
+          </a:blip>
+          <a:srcRect/>
+          <a:stretch>
+            <a:fillRect/>
+          </a:stretch>
+        </p:blipFill>
+        <p:spPr bwMode="auto">
+          <a:xfrm>
+            <a:off x="564537" y="3850351"/>
+            <a:ext cx="3758081" cy="2684344"/>
+          </a:xfrm>
+          <a:prstGeom prst="rect">
+            <a:avLst/>
+          </a:prstGeom>
+          <a:noFill/>
+          <a:ln>
+            <a:noFill/>
+          </a:ln>
+          <a:extLst>
+            <a:ext uri="{909E8E84-426E-40DD-AFC4-6F175D3DCCD1}">
+              <a14:hiddenFill xmlns:a14="http://schemas.microsoft.com/office/drawing/2010/main">
+                <a:solidFill>
+                  <a:schemeClr val="accent1"/>
+                </a:solidFill>
+              </a14:hiddenFill>
+            </a:ext>
+            <a:ext uri="{91240B29-F687-4F45-9708-019B960494DF}">
+              <a14:hiddenLine xmlns:a14="http://schemas.microsoft.com/office/drawing/2010/main" w="9525">
+                <a:solidFill>
+                  <a:schemeClr val="tx1"/>
+                </a:solidFill>
+                <a:miter lim="800000"/>
+                <a:headEnd/>
+                <a:tailEnd/>
+              </a14:hiddenLine>
+            </a:ext>
+          </a:extLst>
+        </p:spPr>
+      </p:pic>
+      <p:sp>
+        <p:nvSpPr>
+          <p:cNvPr id="6" name="AutoShape 4" descr="report-unnamed-chunk-4-2.png"/>
+          <p:cNvSpPr>
+            <a:spLocks noChangeAspect="1" noChangeArrowheads="1"/>
+          </p:cNvSpPr>
+          <p:nvPr/>
+        </p:nvSpPr>
+        <p:spPr bwMode="auto">
+          <a:xfrm>
+            <a:off x="155575" y="-144463"/>
+            <a:ext cx="304800" cy="304801"/>
+          </a:xfrm>
+          <a:prstGeom prst="rect">
+            <a:avLst/>
+          </a:prstGeom>
+          <a:noFill/>
+          <a:extLst>
+            <a:ext uri="{909E8E84-426E-40DD-AFC4-6F175D3DCCD1}">
+              <a14:hiddenFill xmlns:a14="http://schemas.microsoft.com/office/drawing/2010/main">
+                <a:solidFill>
+                  <a:srgbClr val="FFFFFF"/>
+                </a:solidFill>
+              </a14:hiddenFill>
+            </a:ext>
+          </a:extLst>
+        </p:spPr>
+        <p:txBody>
+          <a:bodyPr vert="horz" wrap="square" lIns="91440" tIns="45720" rIns="91440" bIns="45720" numCol="1" anchor="t" anchorCtr="0" compatLnSpc="1">
+            <a:prstTxWarp prst="textNoShape">
+              <a:avLst/>
+            </a:prstTxWarp>
+          </a:bodyPr>
+          <a:lstStyle/>
+          <a:p>
+            <a:endParaRPr lang="en-US"/>
+          </a:p>
+        </p:txBody>
+      </p:sp>
+      <p:pic>
+        <p:nvPicPr>
+          <p:cNvPr id="1029" name="Picture 5"/>
+          <p:cNvPicPr>
+            <a:picLocks noChangeAspect="1" noChangeArrowheads="1"/>
+          </p:cNvPicPr>
+          <p:nvPr/>
+        </p:nvPicPr>
+        <p:blipFill>
+          <a:blip r:embed="rId4">
+            <a:extLst>
+              <a:ext uri="{28A0092B-C50C-407E-A947-70E740481C1C}">
+                <a14:useLocalDpi xmlns:a14="http://schemas.microsoft.com/office/drawing/2010/main" val="0"/>
+              </a:ext>
+            </a:extLst>
+          </a:blip>
+          <a:srcRect/>
+          <a:stretch>
+            <a:fillRect/>
+          </a:stretch>
+        </p:blipFill>
+        <p:spPr bwMode="auto">
+          <a:xfrm>
+            <a:off x="4427517" y="3862226"/>
+            <a:ext cx="3758080" cy="2684343"/>
+          </a:xfrm>
+          <a:prstGeom prst="rect">
+            <a:avLst/>
+          </a:prstGeom>
+          <a:noFill/>
+          <a:ln>
+            <a:noFill/>
+          </a:ln>
+          <a:extLst>
+            <a:ext uri="{909E8E84-426E-40DD-AFC4-6F175D3DCCD1}">
+              <a14:hiddenFill xmlns:a14="http://schemas.microsoft.com/office/drawing/2010/main">
+                <a:solidFill>
+                  <a:schemeClr val="accent1"/>
+                </a:solidFill>
+              </a14:hiddenFill>
+            </a:ext>
+            <a:ext uri="{91240B29-F687-4F45-9708-019B960494DF}">
+              <a14:hiddenLine xmlns:a14="http://schemas.microsoft.com/office/drawing/2010/main" w="9525">
+                <a:solidFill>
+                  <a:schemeClr val="tx1"/>
+                </a:solidFill>
+                <a:miter lim="800000"/>
+                <a:headEnd/>
+                <a:tailEnd/>
+              </a14:hiddenLine>
+            </a:ext>
+          </a:extLst>
+        </p:spPr>
+      </p:pic>
     </p:spTree>
     <p:extLst>
       <p:ext uri="{BB962C8B-B14F-4D97-AF65-F5344CB8AC3E}">
@@ -12334,11 +12354,7 @@
           <a:p>
             <a:r>
               <a:rPr lang="en-US" dirty="0" smtClean="0"/>
-              <a:t>Examine relationships between </a:t>
-            </a:r>
-            <a:r>
-              <a:rPr lang="en-US" dirty="0" smtClean="0"/>
-              <a:t>Max ABV and IBU by state</a:t>
+              <a:t>Examine relationships between Max ABV and IBU by state</a:t>
             </a:r>
           </a:p>
           <a:p>
@@ -12378,11 +12394,7 @@
             </a:r>
             <a:r>
               <a:rPr lang="en-US" dirty="0" smtClean="0"/>
-              <a:t>ighest </a:t>
-            </a:r>
-            <a:r>
-              <a:rPr lang="en-US" dirty="0" smtClean="0"/>
-              <a:t>ABV and IBU do not come from the same state</a:t>
+              <a:t>ighest ABV and IBU do not come from the same state</a:t>
             </a:r>
           </a:p>
           <a:p>
@@ -12589,11 +12601,7 @@
             <a:pPr lvl="1"/>
             <a:r>
               <a:rPr lang="en-US" dirty="0" smtClean="0"/>
-              <a:t>M</a:t>
-            </a:r>
-            <a:r>
-              <a:rPr lang="en-US" dirty="0" smtClean="0"/>
-              <a:t>ax ABV </a:t>
+              <a:t>Max ABV </a:t>
             </a:r>
             <a:r>
               <a:rPr lang="en-US" dirty="0"/>
@@ -12622,21 +12630,13 @@
           <a:p>
             <a:r>
               <a:rPr lang="en-US" dirty="0" smtClean="0"/>
-              <a:t>Microbreweries </a:t>
-            </a:r>
+              <a:t>Microbreweries are catering to a large range of ABV tastes</a:t>
+            </a:r>
+          </a:p>
+          <a:p>
             <a:r>
               <a:rPr lang="en-US" dirty="0" smtClean="0"/>
-              <a:t>are catering to a large range of ABV tastes</a:t>
-            </a:r>
-          </a:p>
-          <a:p>
-            <a:r>
-              <a:rPr lang="en-US" dirty="0" smtClean="0"/>
-              <a:t>Your best </a:t>
-            </a:r>
-            <a:r>
-              <a:rPr lang="en-US" dirty="0" smtClean="0"/>
-              <a:t>selling brands are  under the ABV average (Bud Light ABV= .042, Budweiser </a:t>
+              <a:t>Your best selling brands are  under the ABV average (Bud Light ABV= .042, Budweiser </a:t>
             </a:r>
             <a:r>
               <a:rPr lang="en-US" dirty="0"/>

--- a/Case study1016.pptx
+++ b/Case study1016.pptx
@@ -118,7 +118,18 @@
   </p:defaultTextStyle>
   <p:extLst>
     <p:ext uri="{EFAFB233-063F-42B5-8137-9DF3F51BA10A}">
-      <p15:sldGuideLst xmlns="" xmlns:p15="http://schemas.microsoft.com/office/powerpoint/2012/main"/>
+      <p15:sldGuideLst xmlns:p15="http://schemas.microsoft.com/office/powerpoint/2012/main">
+        <p15:guide id="1" orient="horz" pos="2160">
+          <p15:clr>
+            <a:srgbClr val="A4A3A4"/>
+          </p15:clr>
+        </p15:guide>
+        <p15:guide id="2" pos="3840">
+          <p15:clr>
+            <a:srgbClr val="A4A3A4"/>
+          </p15:clr>
+        </p15:guide>
+      </p15:sldGuideLst>
     </p:ext>
   </p:extLst>
 </p:presentation>
@@ -345,7 +356,7 @@
           </a:lstStyle>
           <a:p>
             <a:r>
-              <a:rPr lang="en-US" smtClean="0"/>
+              <a:rPr lang="en-US"/>
               <a:t>Click to edit Master subtitle style</a:t>
             </a:r>
             <a:endParaRPr lang="en-US" dirty="0"/>
@@ -466,7 +477,7 @@
           </a:lstStyle>
           <a:p>
             <a:r>
-              <a:rPr lang="en-US" smtClean="0"/>
+              <a:rPr lang="en-US"/>
               <a:t>Click to edit Master title style</a:t>
             </a:r>
             <a:endParaRPr lang="en-US" dirty="0"/>
@@ -514,10 +525,9 @@
           <a:lstStyle/>
           <a:p>
             <a:r>
-              <a:rPr lang="en-US" smtClean="0"/>
+              <a:rPr lang="en-US"/>
               <a:t>Click to edit Master title style</a:t>
             </a:r>
-            <a:endParaRPr lang="en-US"/>
           </a:p>
         </p:txBody>
       </p:sp>
@@ -538,38 +548,37 @@
           <a:p>
             <a:pPr lvl="0"/>
             <a:r>
-              <a:rPr lang="en-US" smtClean="0"/>
+              <a:rPr lang="en-US"/>
               <a:t>Click to edit Master text styles</a:t>
             </a:r>
           </a:p>
           <a:p>
             <a:pPr lvl="1"/>
             <a:r>
-              <a:rPr lang="en-US" smtClean="0"/>
+              <a:rPr lang="en-US"/>
               <a:t>Second level</a:t>
             </a:r>
           </a:p>
           <a:p>
             <a:pPr lvl="2"/>
             <a:r>
-              <a:rPr lang="en-US" smtClean="0"/>
+              <a:rPr lang="en-US"/>
               <a:t>Third level</a:t>
             </a:r>
           </a:p>
           <a:p>
             <a:pPr lvl="3"/>
             <a:r>
-              <a:rPr lang="en-US" smtClean="0"/>
+              <a:rPr lang="en-US"/>
               <a:t>Fourth level</a:t>
             </a:r>
           </a:p>
           <a:p>
             <a:pPr lvl="4"/>
             <a:r>
-              <a:rPr lang="en-US" smtClean="0"/>
+              <a:rPr lang="en-US"/>
               <a:t>Fifth level</a:t>
             </a:r>
-            <a:endParaRPr lang="en-US"/>
           </a:p>
         </p:txBody>
       </p:sp>
@@ -776,7 +785,7 @@
           <a:lstStyle/>
           <a:p>
             <a:r>
-              <a:rPr lang="en-US" smtClean="0"/>
+              <a:rPr lang="en-US"/>
               <a:t>Click to edit Master title style</a:t>
             </a:r>
             <a:endParaRPr lang="en-US" dirty="0"/>
@@ -805,35 +814,35 @@
           <a:p>
             <a:pPr lvl="0"/>
             <a:r>
-              <a:rPr lang="en-US" smtClean="0"/>
+              <a:rPr lang="en-US"/>
               <a:t>Click to edit Master text styles</a:t>
             </a:r>
           </a:p>
           <a:p>
             <a:pPr lvl="1"/>
             <a:r>
-              <a:rPr lang="en-US" smtClean="0"/>
+              <a:rPr lang="en-US"/>
               <a:t>Second level</a:t>
             </a:r>
           </a:p>
           <a:p>
             <a:pPr lvl="2"/>
             <a:r>
-              <a:rPr lang="en-US" smtClean="0"/>
+              <a:rPr lang="en-US"/>
               <a:t>Third level</a:t>
             </a:r>
           </a:p>
           <a:p>
             <a:pPr lvl="3"/>
             <a:r>
-              <a:rPr lang="en-US" smtClean="0"/>
+              <a:rPr lang="en-US"/>
               <a:t>Fourth level</a:t>
             </a:r>
           </a:p>
           <a:p>
             <a:pPr lvl="4"/>
             <a:r>
-              <a:rPr lang="en-US" smtClean="0"/>
+              <a:rPr lang="en-US"/>
               <a:t>Fifth level</a:t>
             </a:r>
             <a:endParaRPr lang="en-US" dirty="0"/>
@@ -955,35 +964,35 @@
           <a:p>
             <a:pPr lvl="0"/>
             <a:r>
-              <a:rPr lang="en-US" smtClean="0"/>
+              <a:rPr lang="en-US"/>
               <a:t>Click to edit Master text styles</a:t>
             </a:r>
           </a:p>
           <a:p>
             <a:pPr lvl="1"/>
             <a:r>
-              <a:rPr lang="en-US" smtClean="0"/>
+              <a:rPr lang="en-US"/>
               <a:t>Second level</a:t>
             </a:r>
           </a:p>
           <a:p>
             <a:pPr lvl="2"/>
             <a:r>
-              <a:rPr lang="en-US" smtClean="0"/>
+              <a:rPr lang="en-US"/>
               <a:t>Third level</a:t>
             </a:r>
           </a:p>
           <a:p>
             <a:pPr lvl="3"/>
             <a:r>
-              <a:rPr lang="en-US" smtClean="0"/>
+              <a:rPr lang="en-US"/>
               <a:t>Fourth level</a:t>
             </a:r>
           </a:p>
           <a:p>
             <a:pPr lvl="4"/>
             <a:r>
-              <a:rPr lang="en-US" smtClean="0"/>
+              <a:rPr lang="en-US"/>
               <a:t>Fifth level</a:t>
             </a:r>
             <a:endParaRPr lang="en-US" dirty="0"/>
@@ -1071,10 +1080,9 @@
           <a:lstStyle/>
           <a:p>
             <a:r>
-              <a:rPr lang="en-US" smtClean="0"/>
+              <a:rPr lang="en-US"/>
               <a:t>Click to edit Master title style</a:t>
             </a:r>
-            <a:endParaRPr lang="en-US"/>
           </a:p>
         </p:txBody>
       </p:sp>
@@ -1306,7 +1314,7 @@
           <a:p>
             <a:pPr lvl="0"/>
             <a:r>
-              <a:rPr lang="en-US" smtClean="0"/>
+              <a:rPr lang="en-US"/>
               <a:t>Click to edit Master text styles</a:t>
             </a:r>
           </a:p>
@@ -1426,7 +1434,7 @@
           </a:lstStyle>
           <a:p>
             <a:r>
-              <a:rPr lang="en-US" smtClean="0"/>
+              <a:rPr lang="en-US"/>
               <a:t>Click to edit Master title style</a:t>
             </a:r>
             <a:endParaRPr lang="en-US" dirty="0"/>
@@ -1508,35 +1516,35 @@
           <a:p>
             <a:pPr lvl="0"/>
             <a:r>
-              <a:rPr lang="en-US" smtClean="0"/>
+              <a:rPr lang="en-US"/>
               <a:t>Click to edit Master text styles</a:t>
             </a:r>
           </a:p>
           <a:p>
             <a:pPr lvl="1"/>
             <a:r>
-              <a:rPr lang="en-US" smtClean="0"/>
+              <a:rPr lang="en-US"/>
               <a:t>Second level</a:t>
             </a:r>
           </a:p>
           <a:p>
             <a:pPr lvl="2"/>
             <a:r>
-              <a:rPr lang="en-US" smtClean="0"/>
+              <a:rPr lang="en-US"/>
               <a:t>Third level</a:t>
             </a:r>
           </a:p>
           <a:p>
             <a:pPr lvl="3"/>
             <a:r>
-              <a:rPr lang="en-US" smtClean="0"/>
+              <a:rPr lang="en-US"/>
               <a:t>Fourth level</a:t>
             </a:r>
           </a:p>
           <a:p>
             <a:pPr lvl="4"/>
             <a:r>
-              <a:rPr lang="en-US" smtClean="0"/>
+              <a:rPr lang="en-US"/>
               <a:t>Fifth level</a:t>
             </a:r>
             <a:endParaRPr lang="en-US" dirty="0"/>
@@ -1593,35 +1601,35 @@
           <a:p>
             <a:pPr lvl="0"/>
             <a:r>
-              <a:rPr lang="en-US" smtClean="0"/>
+              <a:rPr lang="en-US"/>
               <a:t>Click to edit Master text styles</a:t>
             </a:r>
           </a:p>
           <a:p>
             <a:pPr lvl="1"/>
             <a:r>
-              <a:rPr lang="en-US" smtClean="0"/>
+              <a:rPr lang="en-US"/>
               <a:t>Second level</a:t>
             </a:r>
           </a:p>
           <a:p>
             <a:pPr lvl="2"/>
             <a:r>
-              <a:rPr lang="en-US" smtClean="0"/>
+              <a:rPr lang="en-US"/>
               <a:t>Third level</a:t>
             </a:r>
           </a:p>
           <a:p>
             <a:pPr lvl="3"/>
             <a:r>
-              <a:rPr lang="en-US" smtClean="0"/>
+              <a:rPr lang="en-US"/>
               <a:t>Fourth level</a:t>
             </a:r>
           </a:p>
           <a:p>
             <a:pPr lvl="4"/>
             <a:r>
-              <a:rPr lang="en-US" smtClean="0"/>
+              <a:rPr lang="en-US"/>
               <a:t>Fifth level</a:t>
             </a:r>
             <a:endParaRPr lang="en-US" dirty="0"/>
@@ -1709,10 +1717,9 @@
           <a:lstStyle/>
           <a:p>
             <a:r>
-              <a:rPr lang="en-US" smtClean="0"/>
+              <a:rPr lang="en-US"/>
               <a:t>Click to edit Master title style</a:t>
             </a:r>
-            <a:endParaRPr lang="en-US"/>
           </a:p>
         </p:txBody>
       </p:sp>
@@ -1804,7 +1811,7 @@
           <a:p>
             <a:pPr lvl="0"/>
             <a:r>
-              <a:rPr lang="en-US" smtClean="0"/>
+              <a:rPr lang="en-US"/>
               <a:t>Click to edit Master text styles</a:t>
             </a:r>
           </a:p>
@@ -1860,35 +1867,35 @@
           <a:p>
             <a:pPr lvl="0"/>
             <a:r>
-              <a:rPr lang="en-US" smtClean="0"/>
+              <a:rPr lang="en-US"/>
               <a:t>Click to edit Master text styles</a:t>
             </a:r>
           </a:p>
           <a:p>
             <a:pPr lvl="1"/>
             <a:r>
-              <a:rPr lang="en-US" smtClean="0"/>
+              <a:rPr lang="en-US"/>
               <a:t>Second level</a:t>
             </a:r>
           </a:p>
           <a:p>
             <a:pPr lvl="2"/>
             <a:r>
-              <a:rPr lang="en-US" smtClean="0"/>
+              <a:rPr lang="en-US"/>
               <a:t>Third level</a:t>
             </a:r>
           </a:p>
           <a:p>
             <a:pPr lvl="3"/>
             <a:r>
-              <a:rPr lang="en-US" smtClean="0"/>
+              <a:rPr lang="en-US"/>
               <a:t>Fourth level</a:t>
             </a:r>
           </a:p>
           <a:p>
             <a:pPr lvl="4"/>
             <a:r>
-              <a:rPr lang="en-US" smtClean="0"/>
+              <a:rPr lang="en-US"/>
               <a:t>Fifth level</a:t>
             </a:r>
             <a:endParaRPr lang="en-US" dirty="0"/>
@@ -1958,7 +1965,7 @@
           <a:p>
             <a:pPr lvl="0"/>
             <a:r>
-              <a:rPr lang="en-US" smtClean="0"/>
+              <a:rPr lang="en-US"/>
               <a:t>Click to edit Master text styles</a:t>
             </a:r>
           </a:p>
@@ -2014,35 +2021,35 @@
           <a:p>
             <a:pPr lvl="0"/>
             <a:r>
-              <a:rPr lang="en-US" smtClean="0"/>
+              <a:rPr lang="en-US"/>
               <a:t>Click to edit Master text styles</a:t>
             </a:r>
           </a:p>
           <a:p>
             <a:pPr lvl="1"/>
             <a:r>
-              <a:rPr lang="en-US" smtClean="0"/>
+              <a:rPr lang="en-US"/>
               <a:t>Second level</a:t>
             </a:r>
           </a:p>
           <a:p>
             <a:pPr lvl="2"/>
             <a:r>
-              <a:rPr lang="en-US" smtClean="0"/>
+              <a:rPr lang="en-US"/>
               <a:t>Third level</a:t>
             </a:r>
           </a:p>
           <a:p>
             <a:pPr lvl="3"/>
             <a:r>
-              <a:rPr lang="en-US" smtClean="0"/>
+              <a:rPr lang="en-US"/>
               <a:t>Fourth level</a:t>
             </a:r>
           </a:p>
           <a:p>
             <a:pPr lvl="4"/>
             <a:r>
-              <a:rPr lang="en-US" smtClean="0"/>
+              <a:rPr lang="en-US"/>
               <a:t>Fifth level</a:t>
             </a:r>
             <a:endParaRPr lang="en-US" dirty="0"/>
@@ -2130,10 +2137,9 @@
           <a:lstStyle/>
           <a:p>
             <a:r>
-              <a:rPr lang="en-US" smtClean="0"/>
+              <a:rPr lang="en-US"/>
               <a:t>Click to edit Master title style</a:t>
             </a:r>
-            <a:endParaRPr lang="en-US"/>
           </a:p>
         </p:txBody>
       </p:sp>
@@ -2243,10 +2249,9 @@
           <a:lstStyle/>
           <a:p>
             <a:r>
-              <a:rPr lang="en-US" smtClean="0"/>
+              <a:rPr lang="en-US"/>
               <a:t>Click to edit Master title style</a:t>
             </a:r>
-            <a:endParaRPr lang="en-US"/>
           </a:p>
         </p:txBody>
       </p:sp>
@@ -2601,38 +2606,37 @@
           <a:p>
             <a:pPr lvl="0"/>
             <a:r>
-              <a:rPr lang="en-US" smtClean="0"/>
+              <a:rPr lang="en-US"/>
               <a:t>Click to edit Master text styles</a:t>
             </a:r>
           </a:p>
           <a:p>
             <a:pPr lvl="1"/>
             <a:r>
-              <a:rPr lang="en-US" smtClean="0"/>
+              <a:rPr lang="en-US"/>
               <a:t>Second level</a:t>
             </a:r>
           </a:p>
           <a:p>
             <a:pPr lvl="2"/>
             <a:r>
-              <a:rPr lang="en-US" smtClean="0"/>
+              <a:rPr lang="en-US"/>
               <a:t>Third level</a:t>
             </a:r>
           </a:p>
           <a:p>
             <a:pPr lvl="3"/>
             <a:r>
-              <a:rPr lang="en-US" smtClean="0"/>
+              <a:rPr lang="en-US"/>
               <a:t>Fourth level</a:t>
             </a:r>
           </a:p>
           <a:p>
             <a:pPr lvl="4"/>
             <a:r>
-              <a:rPr lang="en-US" smtClean="0"/>
+              <a:rPr lang="en-US"/>
               <a:t>Fifth level</a:t>
             </a:r>
-            <a:endParaRPr lang="en-US"/>
           </a:p>
         </p:txBody>
       </p:sp>
@@ -2699,7 +2703,7 @@
           <a:p>
             <a:pPr lvl="0"/>
             <a:r>
-              <a:rPr lang="en-US" smtClean="0"/>
+              <a:rPr lang="en-US"/>
               <a:t>Click to edit Master text styles</a:t>
             </a:r>
           </a:p>
@@ -2807,7 +2811,7 @@
           </a:lstStyle>
           <a:p>
             <a:r>
-              <a:rPr lang="en-US" smtClean="0"/>
+              <a:rPr lang="en-US"/>
               <a:t>Click to edit Master title style</a:t>
             </a:r>
             <a:endParaRPr lang="en-US" dirty="0"/>
@@ -2991,7 +2995,7 @@
           </a:lstStyle>
           <a:p>
             <a:r>
-              <a:rPr lang="en-US" smtClean="0"/>
+              <a:rPr lang="en-US"/>
               <a:t>Click icon to add picture</a:t>
             </a:r>
             <a:endParaRPr lang="en-US" dirty="0"/>
@@ -3061,7 +3065,7 @@
           <a:p>
             <a:pPr lvl="0"/>
             <a:r>
-              <a:rPr lang="en-US" smtClean="0"/>
+              <a:rPr lang="en-US"/>
               <a:t>Click to edit Master text styles</a:t>
             </a:r>
           </a:p>
@@ -3161,7 +3165,7 @@
           </a:lstStyle>
           <a:p>
             <a:r>
-              <a:rPr lang="en-US" smtClean="0"/>
+              <a:rPr lang="en-US"/>
               <a:t>Click to edit Master title style</a:t>
             </a:r>
             <a:endParaRPr lang="en-US" dirty="0"/>
@@ -3316,7 +3320,7 @@
           <a:lstStyle/>
           <a:p>
             <a:r>
-              <a:rPr lang="en-US" smtClean="0"/>
+              <a:rPr lang="en-US"/>
               <a:t>Click to edit Master title style</a:t>
             </a:r>
             <a:endParaRPr lang="en-US" dirty="0"/>
@@ -3350,35 +3354,35 @@
           <a:p>
             <a:pPr lvl="0"/>
             <a:r>
-              <a:rPr lang="en-US" smtClean="0"/>
+              <a:rPr lang="en-US"/>
               <a:t>Click to edit Master text styles</a:t>
             </a:r>
           </a:p>
           <a:p>
             <a:pPr lvl="1"/>
             <a:r>
-              <a:rPr lang="en-US" smtClean="0"/>
+              <a:rPr lang="en-US"/>
               <a:t>Second level</a:t>
             </a:r>
           </a:p>
           <a:p>
             <a:pPr lvl="2"/>
             <a:r>
-              <a:rPr lang="en-US" smtClean="0"/>
+              <a:rPr lang="en-US"/>
               <a:t>Third level</a:t>
             </a:r>
           </a:p>
           <a:p>
             <a:pPr lvl="3"/>
             <a:r>
-              <a:rPr lang="en-US" smtClean="0"/>
+              <a:rPr lang="en-US"/>
               <a:t>Fourth level</a:t>
             </a:r>
           </a:p>
           <a:p>
             <a:pPr lvl="4"/>
             <a:r>
-              <a:rPr lang="en-US" smtClean="0"/>
+              <a:rPr lang="en-US"/>
               <a:t>Fifth level</a:t>
             </a:r>
             <a:endParaRPr lang="en-US" dirty="0"/>
@@ -3825,7 +3829,7 @@
           <p:cNvPr id="6" name="Subtitle 5">
             <a:extLst>
               <a:ext uri="{FF2B5EF4-FFF2-40B4-BE49-F238E27FC236}">
-                <a16:creationId xmlns="" xmlns:a16="http://schemas.microsoft.com/office/drawing/2014/main" id="{856DC773-CB2D-4546-A27C-5343CA5B7FA5}"/>
+                <a16:creationId xmlns:a16="http://schemas.microsoft.com/office/drawing/2014/main" id="{856DC773-CB2D-4546-A27C-5343CA5B7FA5}"/>
               </a:ext>
             </a:extLst>
           </p:cNvPr>
@@ -3845,13 +3849,8 @@
           <a:p>
             <a:r>
               <a:rPr lang="en-US" dirty="0"/>
-              <a:t>Daniel B</a:t>
+              <a:t>Daniel Byrne</a:t>
             </a:r>
-            <a:r>
-              <a:rPr lang="en-US" dirty="0" smtClean="0"/>
-              <a:t>yrne</a:t>
-            </a:r>
-            <a:endParaRPr lang="en-US" dirty="0"/>
           </a:p>
           <a:p>
             <a:r>
@@ -3862,13 +3861,8 @@
           <a:p>
             <a:r>
               <a:rPr lang="en-US" dirty="0"/>
-              <a:t>Matthew N</a:t>
+              <a:t>Matthew Norton</a:t>
             </a:r>
-            <a:r>
-              <a:rPr lang="en-US" dirty="0" smtClean="0"/>
-              <a:t>orton</a:t>
-            </a:r>
-            <a:endParaRPr lang="en-US" dirty="0"/>
           </a:p>
           <a:p>
             <a:endParaRPr lang="en-US" dirty="0"/>
@@ -3880,7 +3874,7 @@
           <p:cNvPr id="5" name="Title 4">
             <a:extLst>
               <a:ext uri="{FF2B5EF4-FFF2-40B4-BE49-F238E27FC236}">
-                <a16:creationId xmlns="" xmlns:a16="http://schemas.microsoft.com/office/drawing/2014/main" id="{A9CFAA3B-6252-464C-B917-13996756AF19}"/>
+                <a16:creationId xmlns:a16="http://schemas.microsoft.com/office/drawing/2014/main" id="{A9CFAA3B-6252-464C-B917-13996756AF19}"/>
               </a:ext>
             </a:extLst>
           </p:cNvPr>
@@ -3900,20 +3894,12 @@
               <a:rPr lang="en-US" b="1" dirty="0"/>
               <a:t>Anheuser-Busch </a:t>
             </a:r>
-            <a:r>
-              <a:rPr lang="en-US" b="1" dirty="0" smtClean="0"/>
-              <a:t/>
-            </a:r>
             <a:br>
-              <a:rPr lang="en-US" b="1" dirty="0" smtClean="0"/>
+              <a:rPr lang="en-US" b="1" dirty="0"/>
             </a:br>
             <a:r>
-              <a:rPr lang="en-US" b="1" dirty="0" smtClean="0"/>
-              <a:t>Data </a:t>
-            </a:r>
-            <a:r>
               <a:rPr lang="en-US" b="1" dirty="0"/>
-              <a:t>Analysis</a:t>
+              <a:t>Data Analysis</a:t>
             </a:r>
             <a:endParaRPr lang="en-US" dirty="0"/>
           </a:p>
@@ -4047,7 +4033,7 @@
           <p:cNvPr id="3" name="Content Placeholder 2">
             <a:extLst>
               <a:ext uri="{FF2B5EF4-FFF2-40B4-BE49-F238E27FC236}">
-                <a16:creationId xmlns="" xmlns:a16="http://schemas.microsoft.com/office/drawing/2014/main" id="{00519026-1215-46F2-9A9D-6C5BB018D5BE}"/>
+                <a16:creationId xmlns:a16="http://schemas.microsoft.com/office/drawing/2014/main" id="{00519026-1215-46F2-9A9D-6C5BB018D5BE}"/>
               </a:ext>
             </a:extLst>
           </p:cNvPr>
@@ -4065,30 +4051,38 @@
           </a:xfrm>
         </p:spPr>
         <p:txBody>
-          <a:bodyPr/>
+          <a:bodyPr>
+            <a:normAutofit/>
+          </a:bodyPr>
           <a:lstStyle/>
           <a:p>
             <a:r>
               <a:rPr lang="en-US" dirty="0"/>
-              <a:t>Y</a:t>
+              <a:t>Your top selling beers, Bud Light and Budweiser are under the median ABVs and IBUs as compared to craft beers.</a:t>
+            </a:r>
+          </a:p>
+          <a:p>
+            <a:r>
+              <a:rPr lang="en-US" dirty="0"/>
+              <a:t>Cost/Benefit Analysis would be beneficial to explore higher ABV/ IBU markets.</a:t>
+            </a:r>
+          </a:p>
+          <a:p>
+            <a:r>
+              <a:rPr lang="en-US" dirty="0"/>
+              <a:t>In depth analysis of Colorado is recommended for possible acquisitions </a:t>
             </a:r>
             <a:r>
-              <a:rPr lang="en-US" dirty="0" smtClean="0"/>
-              <a:t>our top selling beers, Bud Light and Budweiser are under the median ABVs and IBUs as compared to craft beers.</a:t>
-            </a:r>
-          </a:p>
-          <a:p>
-            <a:r>
-              <a:rPr lang="en-US" dirty="0" smtClean="0"/>
-              <a:t>Cost/Benefit Analysis would be beneficial to explore higher ABV/ IBU markets.</a:t>
-            </a:r>
-          </a:p>
-          <a:p>
-            <a:r>
-              <a:rPr lang="en-US" dirty="0" smtClean="0"/>
-              <a:t>In depth analysis of Colorado is recommended for possible acquisitions</a:t>
+              <a:rPr lang="en-US"/>
+              <a:t>and consolidation.</a:t>
             </a:r>
             <a:endParaRPr lang="en-US" dirty="0"/>
+          </a:p>
+          <a:p>
+            <a:r>
+              <a:rPr lang="en-US" dirty="0"/>
+              <a:t>ABV mean ~6%.  However, tended towards 10-12% suggesting a changing trend.</a:t>
+            </a:r>
           </a:p>
           <a:p>
             <a:endParaRPr lang="en-US" dirty="0"/>
@@ -4103,7 +4097,7 @@
           <p:cNvPr id="2" name="Title 1">
             <a:extLst>
               <a:ext uri="{FF2B5EF4-FFF2-40B4-BE49-F238E27FC236}">
-                <a16:creationId xmlns="" xmlns:a16="http://schemas.microsoft.com/office/drawing/2014/main" id="{C7E3BB17-B629-4945-A688-387B9FC35006}"/>
+                <a16:creationId xmlns:a16="http://schemas.microsoft.com/office/drawing/2014/main" id="{C7E3BB17-B629-4945-A688-387B9FC35006}"/>
               </a:ext>
             </a:extLst>
           </p:cNvPr>
@@ -4652,7 +4646,7 @@
           <p:cNvPr id="6" name="Title 5">
             <a:extLst>
               <a:ext uri="{FF2B5EF4-FFF2-40B4-BE49-F238E27FC236}">
-                <a16:creationId xmlns="" xmlns:a16="http://schemas.microsoft.com/office/drawing/2014/main" id="{5AE49BFE-0FA6-4264-91CD-8D31E03BF91D}"/>
+                <a16:creationId xmlns:a16="http://schemas.microsoft.com/office/drawing/2014/main" id="{5AE49BFE-0FA6-4264-91CD-8D31E03BF91D}"/>
               </a:ext>
             </a:extLst>
           </p:cNvPr>
@@ -4710,7 +4704,7 @@
           <p:cNvPr id="2" name="Title 1">
             <a:extLst>
               <a:ext uri="{FF2B5EF4-FFF2-40B4-BE49-F238E27FC236}">
-                <a16:creationId xmlns="" xmlns:a16="http://schemas.microsoft.com/office/drawing/2014/main" id="{442B547C-5E44-47A5-A23D-A3C046522BA7}"/>
+                <a16:creationId xmlns:a16="http://schemas.microsoft.com/office/drawing/2014/main" id="{442B547C-5E44-47A5-A23D-A3C046522BA7}"/>
               </a:ext>
             </a:extLst>
           </p:cNvPr>
@@ -4738,7 +4732,7 @@
           <p:cNvPr id="6" name="Picture 5">
             <a:extLst>
               <a:ext uri="{FF2B5EF4-FFF2-40B4-BE49-F238E27FC236}">
-                <a16:creationId xmlns="" xmlns:a16="http://schemas.microsoft.com/office/drawing/2014/main" id="{41FFCD2C-983B-4D31-B9F7-7D6C828DADD5}"/>
+                <a16:creationId xmlns:a16="http://schemas.microsoft.com/office/drawing/2014/main" id="{41FFCD2C-983B-4D31-B9F7-7D6C828DADD5}"/>
               </a:ext>
             </a:extLst>
           </p:cNvPr>
@@ -4768,7 +4762,7 @@
           <p:cNvPr id="7" name="Picture 6">
             <a:extLst>
               <a:ext uri="{FF2B5EF4-FFF2-40B4-BE49-F238E27FC236}">
-                <a16:creationId xmlns="" xmlns:a16="http://schemas.microsoft.com/office/drawing/2014/main" id="{25ADBD61-4EAA-4EAE-B7DA-0C46660F39DD}"/>
+                <a16:creationId xmlns:a16="http://schemas.microsoft.com/office/drawing/2014/main" id="{25ADBD61-4EAA-4EAE-B7DA-0C46660F39DD}"/>
               </a:ext>
             </a:extLst>
           </p:cNvPr>
@@ -4828,7 +4822,7 @@
           <p:cNvPr id="2" name="Title 1">
             <a:extLst>
               <a:ext uri="{FF2B5EF4-FFF2-40B4-BE49-F238E27FC236}">
-                <a16:creationId xmlns="" xmlns:a16="http://schemas.microsoft.com/office/drawing/2014/main" id="{442B547C-5E44-47A5-A23D-A3C046522BA7}"/>
+                <a16:creationId xmlns:a16="http://schemas.microsoft.com/office/drawing/2014/main" id="{442B547C-5E44-47A5-A23D-A3C046522BA7}"/>
               </a:ext>
             </a:extLst>
           </p:cNvPr>
@@ -4845,10 +4839,9 @@
           <a:lstStyle/>
           <a:p>
             <a:r>
-              <a:rPr lang="en-US" dirty="0" smtClean="0"/>
+              <a:rPr lang="en-US" dirty="0"/>
               <a:t>Breweries by region</a:t>
             </a:r>
-            <a:endParaRPr lang="en-US" dirty="0"/>
           </a:p>
         </p:txBody>
       </p:sp>
@@ -4857,7 +4850,7 @@
           <p:cNvPr id="1026" name="Picture 2" descr="unnamed-chunk-1-2.png">
             <a:extLst>
               <a:ext uri="{FF2B5EF4-FFF2-40B4-BE49-F238E27FC236}">
-                <a16:creationId xmlns="" xmlns:a16="http://schemas.microsoft.com/office/drawing/2014/main" id="{82154938-A461-47D4-B881-594163A25499}"/>
+                <a16:creationId xmlns:a16="http://schemas.microsoft.com/office/drawing/2014/main" id="{82154938-A461-47D4-B881-594163A25499}"/>
               </a:ext>
             </a:extLst>
           </p:cNvPr>
@@ -4904,7 +4897,7 @@
           <p:cNvPr id="5" name="Picture 4">
             <a:extLst>
               <a:ext uri="{FF2B5EF4-FFF2-40B4-BE49-F238E27FC236}">
-                <a16:creationId xmlns="" xmlns:a16="http://schemas.microsoft.com/office/drawing/2014/main" id="{5E56D611-9431-4EEE-AC0A-01B593A4D627}"/>
+                <a16:creationId xmlns:a16="http://schemas.microsoft.com/office/drawing/2014/main" id="{5E56D611-9431-4EEE-AC0A-01B593A4D627}"/>
               </a:ext>
             </a:extLst>
           </p:cNvPr>
@@ -5036,99 +5029,70 @@
           <a:lstStyle/>
           <a:p>
             <a:r>
-              <a:rPr lang="en-US" dirty="0" smtClean="0"/>
+              <a:rPr lang="en-US" dirty="0"/>
               <a:t>According to Brewers Association for Small and Independent Craft Brewers</a:t>
-            </a:r>
-          </a:p>
-          <a:p>
-            <a:pPr lvl="1"/>
-            <a:r>
-              <a:rPr lang="en-US" dirty="0" smtClean="0"/>
-              <a:t>Overall </a:t>
-            </a:r>
-            <a:r>
-              <a:rPr lang="en-US" dirty="0"/>
-              <a:t>U.S. beer volume sales were down 1% in </a:t>
-            </a:r>
-            <a:r>
-              <a:rPr lang="en-US" dirty="0" smtClean="0"/>
-              <a:t>2017</a:t>
             </a:r>
           </a:p>
           <a:p>
             <a:pPr lvl="1"/>
             <a:r>
               <a:rPr lang="en-US" dirty="0"/>
-              <a:t>C</a:t>
+              <a:t>Overall U.S. beer volume sales were down 1% in 2017</a:t>
             </a:r>
-            <a:r>
-              <a:rPr lang="en-US" dirty="0" smtClean="0"/>
-              <a:t>raft brewer sales grew 5%, </a:t>
-            </a:r>
+          </a:p>
+          <a:p>
+            <a:pPr lvl="1"/>
             <a:r>
               <a:rPr lang="en-US" dirty="0"/>
-              <a:t>reaching 12.7% of the U.S. beer market </a:t>
+              <a:t>Craft brewer sales grew 5%, reaching 12.7% of the U.S. beer market </a:t>
             </a:r>
-            <a:endParaRPr lang="en-US" dirty="0" smtClean="0"/>
           </a:p>
           <a:p>
             <a:pPr lvl="1"/>
             <a:r>
-              <a:rPr lang="en-US" dirty="0" smtClean="0"/>
-              <a:t>Craft </a:t>
+              <a:rPr lang="en-US" dirty="0"/>
+              <a:t>Craft increased 8%, up to $26.0 billion</a:t>
             </a:r>
+          </a:p>
+          <a:p>
+            <a:pPr lvl="1"/>
             <a:r>
               <a:rPr lang="en-US" dirty="0"/>
-              <a:t>increased 8%, up to $26.0 </a:t>
+              <a:t>Craft account for more than 23% of the $111.4 billion U.S. beer market.</a:t>
             </a:r>
-            <a:r>
-              <a:rPr lang="en-US" dirty="0" smtClean="0"/>
-              <a:t>billion</a:t>
-            </a:r>
-          </a:p>
-          <a:p>
-            <a:pPr lvl="1"/>
-            <a:r>
-              <a:rPr lang="en-US" dirty="0" smtClean="0"/>
-              <a:t>Craft account </a:t>
-            </a:r>
-            <a:r>
-              <a:rPr lang="en-US" dirty="0"/>
-              <a:t>for more than 23% of the $111.4 billion U.S. beer market.</a:t>
-            </a:r>
-          </a:p>
-          <a:p>
-            <a:endParaRPr lang="en-US" dirty="0" smtClean="0"/>
           </a:p>
           <a:p>
             <a:endParaRPr lang="en-US" dirty="0"/>
           </a:p>
           <a:p>
-            <a:endParaRPr lang="en-US" dirty="0" smtClean="0"/>
-          </a:p>
-          <a:p>
             <a:endParaRPr lang="en-US" dirty="0"/>
           </a:p>
           <a:p>
-            <a:endParaRPr lang="en-US" dirty="0" smtClean="0"/>
-          </a:p>
-          <a:p>
             <a:endParaRPr lang="en-US" dirty="0"/>
           </a:p>
           <a:p>
-            <a:endParaRPr lang="en-US" dirty="0" smtClean="0"/>
-          </a:p>
-          <a:p>
             <a:endParaRPr lang="en-US" dirty="0"/>
           </a:p>
           <a:p>
-            <a:endParaRPr lang="en-US" dirty="0" smtClean="0"/>
-          </a:p>
-          <a:p>
             <a:endParaRPr lang="en-US" dirty="0"/>
           </a:p>
           <a:p>
-            <a:endParaRPr lang="en-US" dirty="0" smtClean="0"/>
+            <a:endParaRPr lang="en-US" dirty="0"/>
+          </a:p>
+          <a:p>
+            <a:endParaRPr lang="en-US" dirty="0"/>
+          </a:p>
+          <a:p>
+            <a:endParaRPr lang="en-US" dirty="0"/>
+          </a:p>
+          <a:p>
+            <a:endParaRPr lang="en-US" dirty="0"/>
+          </a:p>
+          <a:p>
+            <a:endParaRPr lang="en-US" dirty="0"/>
+          </a:p>
+          <a:p>
+            <a:endParaRPr lang="en-US" dirty="0"/>
           </a:p>
           <a:p>
             <a:endParaRPr lang="en-US" dirty="0"/>
@@ -5151,10 +5115,9 @@
           <a:lstStyle/>
           <a:p>
             <a:r>
-              <a:rPr lang="en-US" dirty="0" smtClean="0"/>
+              <a:rPr lang="en-US" dirty="0"/>
               <a:t>Background</a:t>
             </a:r>
-            <a:endParaRPr lang="en-US" dirty="0"/>
           </a:p>
         </p:txBody>
       </p:sp>
@@ -5235,13 +5198,8 @@
           <a:p>
             <a:r>
               <a:rPr lang="en-US" dirty="0"/>
-              <a:t>https://www.brewersassociation.org/statistics/national-beer-sales-production-data</a:t>
+              <a:t>https://www.brewersassociation.org/statistics/national-beer-sales-production-data/</a:t>
             </a:r>
-            <a:r>
-              <a:rPr lang="en-US" dirty="0" smtClean="0"/>
-              <a:t>/</a:t>
-            </a:r>
-            <a:endParaRPr lang="en-US" dirty="0"/>
           </a:p>
         </p:txBody>
       </p:sp>
@@ -5280,7 +5238,7 @@
           <p:cNvPr id="3" name="Content Placeholder 2">
             <a:extLst>
               <a:ext uri="{FF2B5EF4-FFF2-40B4-BE49-F238E27FC236}">
-                <a16:creationId xmlns="" xmlns:a16="http://schemas.microsoft.com/office/drawing/2014/main" id="{FBFAE54B-F553-4982-B50F-3D95A2F3B38F}"/>
+                <a16:creationId xmlns:a16="http://schemas.microsoft.com/office/drawing/2014/main" id="{FBFAE54B-F553-4982-B50F-3D95A2F3B38F}"/>
               </a:ext>
             </a:extLst>
           </p:cNvPr>
@@ -5297,92 +5255,48 @@
           <a:lstStyle/>
           <a:p>
             <a:r>
-              <a:rPr lang="en-US" dirty="0" smtClean="0"/>
+              <a:rPr lang="en-US" dirty="0"/>
               <a:t>While Anheuser Busch still has a large market share, but craft breweries are on the rise and are a threat to future market share</a:t>
             </a:r>
           </a:p>
           <a:p>
             <a:r>
-              <a:rPr lang="en-US" dirty="0" smtClean="0"/>
-              <a:t>Our </a:t>
+              <a:rPr lang="en-US" dirty="0"/>
+              <a:t>Our team was presented the raw data on U.S. microbrewery beers provided by the market research department</a:t>
             </a:r>
+          </a:p>
+          <a:p>
             <a:r>
               <a:rPr lang="en-US" dirty="0"/>
-              <a:t>team was presented the raw data on U.S. microbrewery beers provided by the market research </a:t>
-            </a:r>
-            <a:r>
-              <a:rPr lang="en-US" dirty="0" smtClean="0"/>
-              <a:t>department</a:t>
-            </a:r>
-          </a:p>
-          <a:p>
-            <a:r>
-              <a:rPr lang="en-US" dirty="0" smtClean="0"/>
               <a:t>Examine</a:t>
             </a:r>
           </a:p>
           <a:p>
             <a:pPr lvl="1"/>
             <a:r>
-              <a:rPr lang="en-US" dirty="0" smtClean="0"/>
+              <a:rPr lang="en-US" dirty="0"/>
               <a:t>patterns that could be used in developing new marketing opportunities</a:t>
             </a:r>
           </a:p>
           <a:p>
             <a:pPr lvl="1"/>
             <a:r>
-              <a:rPr lang="en-US" dirty="0" smtClean="0"/>
-              <a:t>tally </a:t>
+              <a:rPr lang="en-US" dirty="0"/>
+              <a:t>tally and visualize the number of craft breweries by state</a:t>
             </a:r>
+          </a:p>
+          <a:p>
+            <a:pPr lvl="1"/>
             <a:r>
               <a:rPr lang="en-US" dirty="0"/>
-              <a:t>and </a:t>
+              <a:t> summarize the statistical parameters of alcohol and bitterness</a:t>
             </a:r>
-            <a:r>
-              <a:rPr lang="en-US" dirty="0" smtClean="0"/>
-              <a:t>visualize </a:t>
-            </a:r>
+          </a:p>
+          <a:p>
+            <a:pPr lvl="1"/>
             <a:r>
               <a:rPr lang="en-US" dirty="0"/>
-              <a:t>the number of craft breweries by </a:t>
-            </a:r>
-            <a:r>
-              <a:rPr lang="en-US" dirty="0" smtClean="0"/>
-              <a:t>state</a:t>
-            </a:r>
-          </a:p>
-          <a:p>
-            <a:pPr lvl="1"/>
-            <a:r>
-              <a:rPr lang="en-US" dirty="0" smtClean="0"/>
-              <a:t> </a:t>
-            </a:r>
-            <a:r>
-              <a:rPr lang="en-US" dirty="0"/>
-              <a:t>summarize the statistical parameters of alcohol and </a:t>
-            </a:r>
-            <a:r>
-              <a:rPr lang="en-US" dirty="0" smtClean="0"/>
-              <a:t>bitterness</a:t>
-            </a:r>
-          </a:p>
-          <a:p>
-            <a:pPr lvl="1"/>
-            <a:r>
-              <a:rPr lang="en-US" dirty="0" smtClean="0"/>
-              <a:t>relationships </a:t>
-            </a:r>
-            <a:r>
-              <a:rPr lang="en-US" dirty="0"/>
-              <a:t>of these parameters with each other and with the </a:t>
-            </a:r>
-            <a:r>
-              <a:rPr lang="en-US" dirty="0" smtClean="0"/>
-              <a:t>states </a:t>
-            </a:r>
-            <a:r>
-              <a:rPr lang="en-US" dirty="0"/>
-              <a:t>in which they were produced.</a:t>
+              <a:t>relationships of these parameters with each other and with the states in which they were produced.</a:t>
             </a:r>
           </a:p>
           <a:p>
@@ -5395,7 +5309,7 @@
           <p:cNvPr id="2" name="Title 1">
             <a:extLst>
               <a:ext uri="{FF2B5EF4-FFF2-40B4-BE49-F238E27FC236}">
-                <a16:creationId xmlns="" xmlns:a16="http://schemas.microsoft.com/office/drawing/2014/main" id="{090585C9-DD92-4DE0-A07C-13670C304140}"/>
+                <a16:creationId xmlns:a16="http://schemas.microsoft.com/office/drawing/2014/main" id="{090585C9-DD92-4DE0-A07C-13670C304140}"/>
               </a:ext>
             </a:extLst>
           </p:cNvPr>
@@ -5453,7 +5367,7 @@
           <p:cNvPr id="4" name="Content Placeholder 3">
             <a:extLst>
               <a:ext uri="{FF2B5EF4-FFF2-40B4-BE49-F238E27FC236}">
-                <a16:creationId xmlns="" xmlns:a16="http://schemas.microsoft.com/office/drawing/2014/main" id="{B578903D-5D8A-48A0-8BBC-7E7B23145777}"/>
+                <a16:creationId xmlns:a16="http://schemas.microsoft.com/office/drawing/2014/main" id="{B578903D-5D8A-48A0-8BBC-7E7B23145777}"/>
               </a:ext>
             </a:extLst>
           </p:cNvPr>
@@ -5478,69 +5392,28 @@
           <a:p>
             <a:r>
               <a:rPr lang="en-US" dirty="0"/>
-              <a:t>N</a:t>
+              <a:t>Noticed a few abnormalities in the data</a:t>
             </a:r>
-            <a:r>
-              <a:rPr lang="en-US" dirty="0" smtClean="0"/>
-              <a:t>oticed </a:t>
-            </a:r>
+          </a:p>
+          <a:p>
+            <a:pPr lvl="1"/>
             <a:r>
               <a:rPr lang="en-US" dirty="0"/>
-              <a:t>a few abnormalities in the data</a:t>
+              <a:t>1005 out of 2410 (41.7% ) did not have an IBU value. </a:t>
             </a:r>
           </a:p>
           <a:p>
             <a:pPr lvl="1"/>
             <a:r>
-              <a:rPr lang="en-US" dirty="0" smtClean="0"/>
-              <a:t>1005 </a:t>
+              <a:rPr lang="en-US" dirty="0"/>
+              <a:t>62 out of 2410 (2.57%) did not have a ABV value</a:t>
             </a:r>
+          </a:p>
+          <a:p>
             <a:r>
               <a:rPr lang="en-US" dirty="0"/>
-              <a:t>out of 2410 (41.7% ) </a:t>
+              <a:t>Will eliminate the beers that have neither ABV nor IBU</a:t>
             </a:r>
-            <a:r>
-              <a:rPr lang="en-US" dirty="0" smtClean="0"/>
-              <a:t>did </a:t>
-            </a:r>
-            <a:r>
-              <a:rPr lang="en-US" dirty="0"/>
-              <a:t>not have an IBU value. </a:t>
-            </a:r>
-          </a:p>
-          <a:p>
-            <a:pPr lvl="1"/>
-            <a:r>
-              <a:rPr lang="en-US" dirty="0" smtClean="0"/>
-              <a:t>62 </a:t>
-            </a:r>
-            <a:r>
-              <a:rPr lang="en-US" dirty="0"/>
-              <a:t>out of 2410 (2.57%) </a:t>
-            </a:r>
-            <a:r>
-              <a:rPr lang="en-US" dirty="0" smtClean="0"/>
-              <a:t>did </a:t>
-            </a:r>
-            <a:r>
-              <a:rPr lang="en-US" dirty="0"/>
-              <a:t>not have a ABV value</a:t>
-            </a:r>
-          </a:p>
-          <a:p>
-            <a:r>
-              <a:rPr lang="en-US" dirty="0" smtClean="0"/>
-              <a:t>Will </a:t>
-            </a:r>
-            <a:r>
-              <a:rPr lang="en-US" dirty="0"/>
-              <a:t>eliminate the beers that have neither ABV nor </a:t>
-            </a:r>
-            <a:r>
-              <a:rPr lang="en-US" dirty="0" smtClean="0"/>
-              <a:t>IBU</a:t>
-            </a:r>
-            <a:endParaRPr lang="en-US" dirty="0"/>
           </a:p>
         </p:txBody>
       </p:sp>
@@ -5549,7 +5422,7 @@
           <p:cNvPr id="3" name="Title 2">
             <a:extLst>
               <a:ext uri="{FF2B5EF4-FFF2-40B4-BE49-F238E27FC236}">
-                <a16:creationId xmlns="" xmlns:a16="http://schemas.microsoft.com/office/drawing/2014/main" id="{B55F0ED3-C15A-4FFE-A1EB-55AA5A1CEB57}"/>
+                <a16:creationId xmlns:a16="http://schemas.microsoft.com/office/drawing/2014/main" id="{B55F0ED3-C15A-4FFE-A1EB-55AA5A1CEB57}"/>
               </a:ext>
             </a:extLst>
           </p:cNvPr>
@@ -5579,7 +5452,7 @@
           <p:cNvPr id="5" name="Table 4">
             <a:extLst>
               <a:ext uri="{FF2B5EF4-FFF2-40B4-BE49-F238E27FC236}">
-                <a16:creationId xmlns="" xmlns:a16="http://schemas.microsoft.com/office/drawing/2014/main" id="{1B38A3E7-915D-418C-A8D3-B58CD9C73AC8}"/>
+                <a16:creationId xmlns:a16="http://schemas.microsoft.com/office/drawing/2014/main" id="{1B38A3E7-915D-418C-A8D3-B58CD9C73AC8}"/>
               </a:ext>
             </a:extLst>
           </p:cNvPr>
@@ -5606,17 +5479,59 @@
                 <a:gridCol w="1057396">
                   <a:extLst>
                     <a:ext uri="{9D8B030D-6E8A-4147-A177-3AD203B41FA5}">
-                      <a16:colId xmlns="" xmlns:a16="http://schemas.microsoft.com/office/drawing/2014/main" val="2307648300"/>
+                      <a16:colId xmlns:a16="http://schemas.microsoft.com/office/drawing/2014/main" val="2307648300"/>
                     </a:ext>
                   </a:extLst>
                 </a:gridCol>
-                <a:gridCol w="844138"/>
-                <a:gridCol w="435397"/>
-                <a:gridCol w="1464185"/>
-                <a:gridCol w="576182"/>
-                <a:gridCol w="411558"/>
-                <a:gridCol w="1179800"/>
-                <a:gridCol w="580082"/>
+                <a:gridCol w="844138">
+                  <a:extLst>
+                    <a:ext uri="{9D8B030D-6E8A-4147-A177-3AD203B41FA5}">
+                      <a16:colId xmlns:a16="http://schemas.microsoft.com/office/drawing/2014/main" val="20001"/>
+                    </a:ext>
+                  </a:extLst>
+                </a:gridCol>
+                <a:gridCol w="435397">
+                  <a:extLst>
+                    <a:ext uri="{9D8B030D-6E8A-4147-A177-3AD203B41FA5}">
+                      <a16:colId xmlns:a16="http://schemas.microsoft.com/office/drawing/2014/main" val="20002"/>
+                    </a:ext>
+                  </a:extLst>
+                </a:gridCol>
+                <a:gridCol w="1464185">
+                  <a:extLst>
+                    <a:ext uri="{9D8B030D-6E8A-4147-A177-3AD203B41FA5}">
+                      <a16:colId xmlns:a16="http://schemas.microsoft.com/office/drawing/2014/main" val="20003"/>
+                    </a:ext>
+                  </a:extLst>
+                </a:gridCol>
+                <a:gridCol w="576182">
+                  <a:extLst>
+                    <a:ext uri="{9D8B030D-6E8A-4147-A177-3AD203B41FA5}">
+                      <a16:colId xmlns:a16="http://schemas.microsoft.com/office/drawing/2014/main" val="20004"/>
+                    </a:ext>
+                  </a:extLst>
+                </a:gridCol>
+                <a:gridCol w="411558">
+                  <a:extLst>
+                    <a:ext uri="{9D8B030D-6E8A-4147-A177-3AD203B41FA5}">
+                      <a16:colId xmlns:a16="http://schemas.microsoft.com/office/drawing/2014/main" val="20005"/>
+                    </a:ext>
+                  </a:extLst>
+                </a:gridCol>
+                <a:gridCol w="1179800">
+                  <a:extLst>
+                    <a:ext uri="{9D8B030D-6E8A-4147-A177-3AD203B41FA5}">
+                      <a16:colId xmlns:a16="http://schemas.microsoft.com/office/drawing/2014/main" val="20006"/>
+                    </a:ext>
+                  </a:extLst>
+                </a:gridCol>
+                <a:gridCol w="580082">
+                  <a:extLst>
+                    <a:ext uri="{9D8B030D-6E8A-4147-A177-3AD203B41FA5}">
+                      <a16:colId xmlns:a16="http://schemas.microsoft.com/office/drawing/2014/main" val="20007"/>
+                    </a:ext>
+                  </a:extLst>
+                </a:gridCol>
               </a:tblGrid>
               <a:tr h="141432">
                 <a:tc>
@@ -6061,7 +5976,7 @@
                 </a:tc>
                 <a:extLst>
                   <a:ext uri="{0D108BD9-81ED-4DB2-BD59-A6C34878D82A}">
-                    <a16:rowId xmlns="" xmlns:a16="http://schemas.microsoft.com/office/drawing/2014/main" val="3301533098"/>
+                    <a16:rowId xmlns:a16="http://schemas.microsoft.com/office/drawing/2014/main" val="3301533098"/>
                   </a:ext>
                 </a:extLst>
               </a:tr>
@@ -6196,7 +6111,7 @@
                 </a:tc>
                 <a:extLst>
                   <a:ext uri="{0D108BD9-81ED-4DB2-BD59-A6C34878D82A}">
-                    <a16:rowId xmlns="" xmlns:a16="http://schemas.microsoft.com/office/drawing/2014/main" val="3897555863"/>
+                    <a16:rowId xmlns:a16="http://schemas.microsoft.com/office/drawing/2014/main" val="3897555863"/>
                   </a:ext>
                 </a:extLst>
               </a:tr>
@@ -6634,7 +6549,7 @@
                 </a:tc>
                 <a:extLst>
                   <a:ext uri="{0D108BD9-81ED-4DB2-BD59-A6C34878D82A}">
-                    <a16:rowId xmlns="" xmlns:a16="http://schemas.microsoft.com/office/drawing/2014/main" val="3745414930"/>
+                    <a16:rowId xmlns:a16="http://schemas.microsoft.com/office/drawing/2014/main" val="3745414930"/>
                   </a:ext>
                 </a:extLst>
               </a:tr>
@@ -7081,7 +6996,7 @@
                 </a:tc>
                 <a:extLst>
                   <a:ext uri="{0D108BD9-81ED-4DB2-BD59-A6C34878D82A}">
-                    <a16:rowId xmlns="" xmlns:a16="http://schemas.microsoft.com/office/drawing/2014/main" val="2121486987"/>
+                    <a16:rowId xmlns:a16="http://schemas.microsoft.com/office/drawing/2014/main" val="2121486987"/>
                   </a:ext>
                 </a:extLst>
               </a:tr>
@@ -7528,7 +7443,7 @@
                 </a:tc>
                 <a:extLst>
                   <a:ext uri="{0D108BD9-81ED-4DB2-BD59-A6C34878D82A}">
-                    <a16:rowId xmlns="" xmlns:a16="http://schemas.microsoft.com/office/drawing/2014/main" val="3099760411"/>
+                    <a16:rowId xmlns:a16="http://schemas.microsoft.com/office/drawing/2014/main" val="3099760411"/>
                   </a:ext>
                 </a:extLst>
               </a:tr>
@@ -7975,7 +7890,7 @@
                 </a:tc>
                 <a:extLst>
                   <a:ext uri="{0D108BD9-81ED-4DB2-BD59-A6C34878D82A}">
-                    <a16:rowId xmlns="" xmlns:a16="http://schemas.microsoft.com/office/drawing/2014/main" val="2614991427"/>
+                    <a16:rowId xmlns:a16="http://schemas.microsoft.com/office/drawing/2014/main" val="2614991427"/>
                   </a:ext>
                 </a:extLst>
               </a:tr>
@@ -8428,7 +8343,7 @@
                 </a:tc>
                 <a:extLst>
                   <a:ext uri="{0D108BD9-81ED-4DB2-BD59-A6C34878D82A}">
-                    <a16:rowId xmlns="" xmlns:a16="http://schemas.microsoft.com/office/drawing/2014/main" val="3452162538"/>
+                    <a16:rowId xmlns:a16="http://schemas.microsoft.com/office/drawing/2014/main" val="3452162538"/>
                   </a:ext>
                 </a:extLst>
               </a:tr>
@@ -8875,7 +8790,7 @@
                 </a:tc>
                 <a:extLst>
                   <a:ext uri="{0D108BD9-81ED-4DB2-BD59-A6C34878D82A}">
-                    <a16:rowId xmlns="" xmlns:a16="http://schemas.microsoft.com/office/drawing/2014/main" val="3078672438"/>
+                    <a16:rowId xmlns:a16="http://schemas.microsoft.com/office/drawing/2014/main" val="3078672438"/>
                   </a:ext>
                 </a:extLst>
               </a:tr>
@@ -9010,7 +8925,7 @@
                 </a:tc>
                 <a:extLst>
                   <a:ext uri="{0D108BD9-81ED-4DB2-BD59-A6C34878D82A}">
-                    <a16:rowId xmlns="" xmlns:a16="http://schemas.microsoft.com/office/drawing/2014/main" val="210351173"/>
+                    <a16:rowId xmlns:a16="http://schemas.microsoft.com/office/drawing/2014/main" val="210351173"/>
                   </a:ext>
                 </a:extLst>
               </a:tr>
@@ -9448,7 +9363,7 @@
                 </a:tc>
                 <a:extLst>
                   <a:ext uri="{0D108BD9-81ED-4DB2-BD59-A6C34878D82A}">
-                    <a16:rowId xmlns="" xmlns:a16="http://schemas.microsoft.com/office/drawing/2014/main" val="641466743"/>
+                    <a16:rowId xmlns:a16="http://schemas.microsoft.com/office/drawing/2014/main" val="641466743"/>
                   </a:ext>
                 </a:extLst>
               </a:tr>
@@ -9895,7 +9810,7 @@
                 </a:tc>
                 <a:extLst>
                   <a:ext uri="{0D108BD9-81ED-4DB2-BD59-A6C34878D82A}">
-                    <a16:rowId xmlns="" xmlns:a16="http://schemas.microsoft.com/office/drawing/2014/main" val="700146092"/>
+                    <a16:rowId xmlns:a16="http://schemas.microsoft.com/office/drawing/2014/main" val="700146092"/>
                   </a:ext>
                 </a:extLst>
               </a:tr>
@@ -10342,7 +10257,7 @@
                 </a:tc>
                 <a:extLst>
                   <a:ext uri="{0D108BD9-81ED-4DB2-BD59-A6C34878D82A}">
-                    <a16:rowId xmlns="" xmlns:a16="http://schemas.microsoft.com/office/drawing/2014/main" val="2569618026"/>
+                    <a16:rowId xmlns:a16="http://schemas.microsoft.com/office/drawing/2014/main" val="2569618026"/>
                   </a:ext>
                 </a:extLst>
               </a:tr>
@@ -10789,7 +10704,7 @@
                 </a:tc>
                 <a:extLst>
                   <a:ext uri="{0D108BD9-81ED-4DB2-BD59-A6C34878D82A}">
-                    <a16:rowId xmlns="" xmlns:a16="http://schemas.microsoft.com/office/drawing/2014/main" val="156125459"/>
+                    <a16:rowId xmlns:a16="http://schemas.microsoft.com/office/drawing/2014/main" val="156125459"/>
                   </a:ext>
                 </a:extLst>
               </a:tr>
@@ -11236,7 +11151,7 @@
                 </a:tc>
                 <a:extLst>
                   <a:ext uri="{0D108BD9-81ED-4DB2-BD59-A6C34878D82A}">
-                    <a16:rowId xmlns="" xmlns:a16="http://schemas.microsoft.com/office/drawing/2014/main" val="1877791032"/>
+                    <a16:rowId xmlns:a16="http://schemas.microsoft.com/office/drawing/2014/main" val="1877791032"/>
                   </a:ext>
                 </a:extLst>
               </a:tr>
@@ -11683,7 +11598,7 @@
                 </a:tc>
                 <a:extLst>
                   <a:ext uri="{0D108BD9-81ED-4DB2-BD59-A6C34878D82A}">
-                    <a16:rowId xmlns="" xmlns:a16="http://schemas.microsoft.com/office/drawing/2014/main" val="2550835245"/>
+                    <a16:rowId xmlns:a16="http://schemas.microsoft.com/office/drawing/2014/main" val="2550835245"/>
                   </a:ext>
                 </a:extLst>
               </a:tr>
@@ -11726,7 +11641,7 @@
           <p:cNvPr id="4" name="Content Placeholder 3">
             <a:extLst>
               <a:ext uri="{FF2B5EF4-FFF2-40B4-BE49-F238E27FC236}">
-                <a16:creationId xmlns="" xmlns:a16="http://schemas.microsoft.com/office/drawing/2014/main" id="{B578903D-5D8A-48A0-8BBC-7E7B23145777}"/>
+                <a16:creationId xmlns:a16="http://schemas.microsoft.com/office/drawing/2014/main" id="{B578903D-5D8A-48A0-8BBC-7E7B23145777}"/>
               </a:ext>
             </a:extLst>
           </p:cNvPr>
@@ -11745,37 +11660,20 @@
           <a:lstStyle/>
           <a:p>
             <a:r>
-              <a:rPr lang="en-US" dirty="0" smtClean="0"/>
-              <a:t>Highest State - Colorado </a:t>
+              <a:rPr lang="en-US" dirty="0"/>
+              <a:t>Highest State - Colorado with 47 breweries </a:t>
             </a:r>
+          </a:p>
+          <a:p>
             <a:r>
               <a:rPr lang="en-US" dirty="0"/>
-              <a:t>with 47 breweries </a:t>
+              <a:t>Some states only have 1.</a:t>
             </a:r>
           </a:p>
           <a:p>
-            <a:r>
-              <a:rPr lang="en-US" dirty="0" smtClean="0"/>
-              <a:t>Some states </a:t>
-            </a:r>
             <a:r>
               <a:rPr lang="en-US" dirty="0"/>
-              <a:t>only have 1</a:t>
-            </a:r>
-            <a:r>
-              <a:rPr lang="en-US" dirty="0" smtClean="0"/>
-              <a:t>.</a:t>
-            </a:r>
-            <a:endParaRPr lang="en-US" dirty="0"/>
-          </a:p>
-          <a:p>
-            <a:r>
-              <a:rPr lang="en-US" dirty="0"/>
-              <a:t>G</a:t>
-            </a:r>
-            <a:r>
-              <a:rPr lang="en-US" dirty="0" smtClean="0"/>
-              <a:t>ood indicator of market saturation per state</a:t>
+              <a:t>Good indicator of market saturation per state</a:t>
             </a:r>
           </a:p>
           <a:p>
@@ -11788,7 +11686,7 @@
           <p:cNvPr id="3" name="Title 2">
             <a:extLst>
               <a:ext uri="{FF2B5EF4-FFF2-40B4-BE49-F238E27FC236}">
-                <a16:creationId xmlns="" xmlns:a16="http://schemas.microsoft.com/office/drawing/2014/main" id="{B55F0ED3-C15A-4FFE-A1EB-55AA5A1CEB57}"/>
+                <a16:creationId xmlns:a16="http://schemas.microsoft.com/office/drawing/2014/main" id="{B55F0ED3-C15A-4FFE-A1EB-55AA5A1CEB57}"/>
               </a:ext>
             </a:extLst>
           </p:cNvPr>
@@ -11822,7 +11720,7 @@
           <p:cNvPr id="2" name="Picture 1">
             <a:extLst>
               <a:ext uri="{FF2B5EF4-FFF2-40B4-BE49-F238E27FC236}">
-                <a16:creationId xmlns="" xmlns:a16="http://schemas.microsoft.com/office/drawing/2014/main" id="{5AC6D176-2997-462B-A137-92BFF79EA546}"/>
+                <a16:creationId xmlns:a16="http://schemas.microsoft.com/office/drawing/2014/main" id="{5AC6D176-2997-462B-A137-92BFF79EA546}"/>
               </a:ext>
             </a:extLst>
           </p:cNvPr>
@@ -11882,7 +11780,7 @@
           <p:cNvPr id="4" name="Content Placeholder 3">
             <a:extLst>
               <a:ext uri="{FF2B5EF4-FFF2-40B4-BE49-F238E27FC236}">
-                <a16:creationId xmlns="" xmlns:a16="http://schemas.microsoft.com/office/drawing/2014/main" id="{B578903D-5D8A-48A0-8BBC-7E7B23145777}"/>
+                <a16:creationId xmlns:a16="http://schemas.microsoft.com/office/drawing/2014/main" id="{B578903D-5D8A-48A0-8BBC-7E7B23145777}"/>
               </a:ext>
             </a:extLst>
           </p:cNvPr>
@@ -11902,123 +11800,42 @@
           <a:p>
             <a:r>
               <a:rPr lang="en-US" dirty="0"/>
-              <a:t>A</a:t>
+              <a:t>Analyzed median ABV and IBU per each state. </a:t>
             </a:r>
-            <a:r>
-              <a:rPr lang="en-US" dirty="0" smtClean="0"/>
-              <a:t>nalyzed median ABV </a:t>
-            </a:r>
+          </a:p>
+          <a:p>
             <a:r>
               <a:rPr lang="en-US" dirty="0"/>
-              <a:t>and </a:t>
-            </a:r>
-            <a:r>
-              <a:rPr lang="en-US" dirty="0" smtClean="0"/>
-              <a:t>IBU per </a:t>
-            </a:r>
-            <a:r>
-              <a:rPr lang="en-US" dirty="0"/>
-              <a:t>each state</a:t>
-            </a:r>
-            <a:r>
-              <a:rPr lang="en-US" dirty="0" smtClean="0"/>
-              <a:t>. </a:t>
-            </a:r>
-          </a:p>
-          <a:p>
-            <a:r>
-              <a:rPr lang="en-US" dirty="0"/>
-              <a:t>C</a:t>
-            </a:r>
-            <a:r>
-              <a:rPr lang="en-US" dirty="0" smtClean="0"/>
-              <a:t>ompared to your #1 best seller- Bud Light. </a:t>
+              <a:t>Compared to your #1 best seller- Bud Light. </a:t>
             </a:r>
           </a:p>
           <a:p>
             <a:pPr lvl="1"/>
             <a:r>
               <a:rPr lang="en-US" dirty="0"/>
-              <a:t>S</a:t>
+              <a:t>Small variation in median ABV per state, majority range between 0.050 to 0.063. </a:t>
             </a:r>
-            <a:r>
-              <a:rPr lang="en-US" dirty="0" smtClean="0"/>
-              <a:t>mall </a:t>
-            </a:r>
+          </a:p>
+          <a:p>
+            <a:pPr lvl="2"/>
             <a:r>
               <a:rPr lang="en-US" dirty="0"/>
-              <a:t>variation </a:t>
-            </a:r>
-            <a:r>
-              <a:rPr lang="en-US" dirty="0" smtClean="0"/>
-              <a:t>in median </a:t>
-            </a:r>
-            <a:r>
-              <a:rPr lang="en-US" dirty="0"/>
-              <a:t>ABV per state, </a:t>
-            </a:r>
-            <a:r>
-              <a:rPr lang="en-US" dirty="0" smtClean="0"/>
-              <a:t>majority range between 0.050 to 0.063. </a:t>
-            </a:r>
-          </a:p>
-          <a:p>
-            <a:pPr lvl="2"/>
-            <a:r>
-              <a:rPr lang="en-US" dirty="0" smtClean="0"/>
-              <a:t>Bud Light is 0.042, below the </a:t>
-            </a:r>
-            <a:r>
-              <a:rPr lang="en-US" dirty="0"/>
-              <a:t>median of each </a:t>
-            </a:r>
-            <a:r>
-              <a:rPr lang="en-US" dirty="0" smtClean="0"/>
-              <a:t>state.</a:t>
+              <a:t>Bud Light is 0.042, below the median of each state.</a:t>
             </a:r>
           </a:p>
           <a:p>
             <a:pPr lvl="1"/>
             <a:r>
               <a:rPr lang="en-US" dirty="0"/>
-              <a:t>G</a:t>
+              <a:t>Greater variation in the median IBU per state, range between 19 to 61. </a:t>
             </a:r>
-            <a:r>
-              <a:rPr lang="en-US" dirty="0" smtClean="0"/>
-              <a:t>reater </a:t>
-            </a:r>
+          </a:p>
+          <a:p>
+            <a:pPr lvl="2"/>
             <a:r>
               <a:rPr lang="en-US" dirty="0"/>
-              <a:t>variation in the </a:t>
-            </a:r>
-            <a:r>
-              <a:rPr lang="en-US" dirty="0" smtClean="0"/>
-              <a:t>median IBU </a:t>
-            </a:r>
-            <a:r>
-              <a:rPr lang="en-US" dirty="0"/>
-              <a:t>per state, </a:t>
-            </a:r>
-            <a:r>
-              <a:rPr lang="en-US" dirty="0" smtClean="0"/>
-              <a:t>range </a:t>
-            </a:r>
-            <a:r>
-              <a:rPr lang="en-US" dirty="0"/>
-              <a:t>between </a:t>
-            </a:r>
-            <a:r>
-              <a:rPr lang="en-US" dirty="0" smtClean="0"/>
-              <a:t>19 to 61. </a:t>
-            </a:r>
-          </a:p>
-          <a:p>
-            <a:pPr lvl="2"/>
-            <a:r>
-              <a:rPr lang="en-US" dirty="0" smtClean="0"/>
               <a:t>Bud Light is 10, far below the median of each state</a:t>
             </a:r>
-            <a:endParaRPr lang="en-US" dirty="0"/>
           </a:p>
           <a:p>
             <a:endParaRPr lang="en-US" dirty="0"/>
@@ -12030,7 +11847,7 @@
           <p:cNvPr id="3" name="Title 2">
             <a:extLst>
               <a:ext uri="{FF2B5EF4-FFF2-40B4-BE49-F238E27FC236}">
-                <a16:creationId xmlns="" xmlns:a16="http://schemas.microsoft.com/office/drawing/2014/main" id="{B55F0ED3-C15A-4FFE-A1EB-55AA5A1CEB57}"/>
+                <a16:creationId xmlns:a16="http://schemas.microsoft.com/office/drawing/2014/main" id="{B55F0ED3-C15A-4FFE-A1EB-55AA5A1CEB57}"/>
               </a:ext>
             </a:extLst>
           </p:cNvPr>
@@ -12329,7 +12146,7 @@
           <p:cNvPr id="4" name="Content Placeholder 3">
             <a:extLst>
               <a:ext uri="{FF2B5EF4-FFF2-40B4-BE49-F238E27FC236}">
-                <a16:creationId xmlns="" xmlns:a16="http://schemas.microsoft.com/office/drawing/2014/main" id="{B578903D-5D8A-48A0-8BBC-7E7B23145777}"/>
+                <a16:creationId xmlns:a16="http://schemas.microsoft.com/office/drawing/2014/main" id="{B578903D-5D8A-48A0-8BBC-7E7B23145777}"/>
               </a:ext>
             </a:extLst>
           </p:cNvPr>
@@ -12353,48 +12170,28 @@
           <a:lstStyle/>
           <a:p>
             <a:r>
-              <a:rPr lang="en-US" dirty="0" smtClean="0"/>
+              <a:rPr lang="en-US" dirty="0"/>
               <a:t>Examine relationships between Max ABV and IBU by state</a:t>
             </a:r>
           </a:p>
           <a:p>
             <a:pPr lvl="1"/>
             <a:r>
-              <a:rPr lang="en-US" dirty="0" smtClean="0"/>
-              <a:t>The </a:t>
+              <a:rPr lang="en-US" dirty="0"/>
+              <a:t>The state with the maximum alcoholic  beer is Colorado 12.8% ABV</a:t>
             </a:r>
+          </a:p>
+          <a:p>
+            <a:pPr lvl="1"/>
             <a:r>
               <a:rPr lang="en-US" dirty="0"/>
-              <a:t>state with the maximum alcoholic  beer is Colorado 12.8% </a:t>
+              <a:t>The state with the most bitter beer is Oregon with 138 IBU</a:t>
             </a:r>
-            <a:r>
-              <a:rPr lang="en-US" dirty="0" smtClean="0"/>
-              <a:t>ABV</a:t>
-            </a:r>
-          </a:p>
-          <a:p>
-            <a:pPr lvl="1"/>
-            <a:r>
-              <a:rPr lang="en-US" dirty="0" smtClean="0"/>
-              <a:t>The </a:t>
-            </a:r>
+          </a:p>
+          <a:p>
             <a:r>
               <a:rPr lang="en-US" dirty="0"/>
-              <a:t>state with the most bitter beer is Oregon with 138 </a:t>
-            </a:r>
-            <a:r>
-              <a:rPr lang="en-US" dirty="0" smtClean="0"/>
-              <a:t>IBU</a:t>
-            </a:r>
-          </a:p>
-          <a:p>
-            <a:r>
-              <a:rPr lang="en-US" dirty="0"/>
-              <a:t>H</a:t>
-            </a:r>
-            <a:r>
-              <a:rPr lang="en-US" dirty="0" smtClean="0"/>
-              <a:t>ighest ABV and IBU do not come from the same state</a:t>
+              <a:t>Highest ABV and IBU do not come from the same state</a:t>
             </a:r>
           </a:p>
           <a:p>
@@ -12426,7 +12223,7 @@
           <p:cNvPr id="3" name="Title 2">
             <a:extLst>
               <a:ext uri="{FF2B5EF4-FFF2-40B4-BE49-F238E27FC236}">
-                <a16:creationId xmlns="" xmlns:a16="http://schemas.microsoft.com/office/drawing/2014/main" id="{B55F0ED3-C15A-4FFE-A1EB-55AA5A1CEB57}"/>
+                <a16:creationId xmlns:a16="http://schemas.microsoft.com/office/drawing/2014/main" id="{B55F0ED3-C15A-4FFE-A1EB-55AA5A1CEB57}"/>
               </a:ext>
             </a:extLst>
           </p:cNvPr>
@@ -12456,7 +12253,7 @@
           <p:cNvPr id="5" name="Picture 4">
             <a:extLst>
               <a:ext uri="{FF2B5EF4-FFF2-40B4-BE49-F238E27FC236}">
-                <a16:creationId xmlns="" xmlns:a16="http://schemas.microsoft.com/office/drawing/2014/main" id="{86B8820B-F873-4F81-9FF8-98230FCF2211}"/>
+                <a16:creationId xmlns:a16="http://schemas.microsoft.com/office/drawing/2014/main" id="{86B8820B-F873-4F81-9FF8-98230FCF2211}"/>
               </a:ext>
             </a:extLst>
           </p:cNvPr>
@@ -12486,7 +12283,7 @@
           <p:cNvPr id="2050" name="Picture 2" descr="unnamed-chunk-5-2.png">
             <a:extLst>
               <a:ext uri="{FF2B5EF4-FFF2-40B4-BE49-F238E27FC236}">
-                <a16:creationId xmlns="" xmlns:a16="http://schemas.microsoft.com/office/drawing/2014/main" id="{95121FF6-647D-4B1F-9DE0-BE37D0888F9E}"/>
+                <a16:creationId xmlns:a16="http://schemas.microsoft.com/office/drawing/2014/main" id="{95121FF6-647D-4B1F-9DE0-BE37D0888F9E}"/>
               </a:ext>
             </a:extLst>
           </p:cNvPr>
@@ -12563,7 +12360,7 @@
           <p:cNvPr id="4" name="Content Placeholder 3">
             <a:extLst>
               <a:ext uri="{FF2B5EF4-FFF2-40B4-BE49-F238E27FC236}">
-                <a16:creationId xmlns="" xmlns:a16="http://schemas.microsoft.com/office/drawing/2014/main" id="{B578903D-5D8A-48A0-8BBC-7E7B23145777}"/>
+                <a16:creationId xmlns:a16="http://schemas.microsoft.com/office/drawing/2014/main" id="{B578903D-5D8A-48A0-8BBC-7E7B23145777}"/>
               </a:ext>
             </a:extLst>
           </p:cNvPr>
@@ -12582,71 +12379,42 @@
           <a:lstStyle/>
           <a:p>
             <a:r>
-              <a:rPr lang="en-US" dirty="0" smtClean="0"/>
+              <a:rPr lang="en-US" dirty="0"/>
               <a:t>ABV Analysis </a:t>
-            </a:r>
-          </a:p>
-          <a:p>
-            <a:pPr lvl="1"/>
-            <a:r>
-              <a:rPr lang="en-US" dirty="0" smtClean="0"/>
-              <a:t>Average  ABV is 0.059</a:t>
-            </a:r>
-            <a:r>
-              <a:rPr lang="en-US" dirty="0"/>
-              <a:t>.</a:t>
-            </a:r>
-          </a:p>
-          <a:p>
-            <a:pPr lvl="1"/>
-            <a:r>
-              <a:rPr lang="en-US" dirty="0" smtClean="0"/>
-              <a:t>Max ABV </a:t>
-            </a:r>
-            <a:r>
-              <a:rPr lang="en-US" dirty="0"/>
-              <a:t>is 0.128 while the </a:t>
-            </a:r>
-            <a:r>
-              <a:rPr lang="en-US" dirty="0" smtClean="0"/>
-              <a:t>Min </a:t>
-            </a:r>
-            <a:r>
-              <a:rPr lang="en-US" dirty="0"/>
-              <a:t>is 0.001, this is a pretty wide range</a:t>
             </a:r>
           </a:p>
           <a:p>
             <a:pPr lvl="1"/>
             <a:r>
               <a:rPr lang="en-US" dirty="0"/>
-              <a:t>The 0.001 beer is a “Low Alcohol Beer” while the 0.128 is a “Quadruple” style </a:t>
+              <a:t>Average  ABV is 0.059.</a:t>
             </a:r>
+          </a:p>
+          <a:p>
+            <a:pPr lvl="1"/>
             <a:r>
-              <a:rPr lang="en-US" dirty="0" smtClean="0"/>
-              <a:t>beer</a:t>
+              <a:rPr lang="en-US" dirty="0"/>
+              <a:t>Max ABV is 0.128 while the Min is 0.001, this is a pretty wide range</a:t>
             </a:r>
           </a:p>
           <a:p>
+            <a:pPr lvl="1"/>
             <a:r>
-              <a:rPr lang="en-US" dirty="0" smtClean="0"/>
+              <a:rPr lang="en-US" dirty="0"/>
+              <a:t>The 0.001 beer is a “Low Alcohol Beer” while the 0.128 is a “Quadruple” style beer</a:t>
+            </a:r>
+          </a:p>
+          <a:p>
+            <a:r>
+              <a:rPr lang="en-US" dirty="0"/>
               <a:t>Microbreweries are catering to a large range of ABV tastes</a:t>
             </a:r>
           </a:p>
           <a:p>
             <a:r>
-              <a:rPr lang="en-US" dirty="0" smtClean="0"/>
-              <a:t>Your best selling brands are  under the ABV average (Bud Light ABV= .042, Budweiser </a:t>
+              <a:rPr lang="en-US" dirty="0"/>
+              <a:t>Your best selling brands are  under the ABV average (Bud Light ABV= .042, Budweiser ABV= .050)</a:t>
             </a:r>
-            <a:r>
-              <a:rPr lang="en-US" dirty="0"/>
-              <a:t>ABV= .</a:t>
-            </a:r>
-            <a:r>
-              <a:rPr lang="en-US" dirty="0" smtClean="0"/>
-              <a:t>050)</a:t>
-            </a:r>
-            <a:endParaRPr lang="en-US" dirty="0"/>
           </a:p>
           <a:p>
             <a:endParaRPr lang="en-US" dirty="0"/>
@@ -12661,7 +12429,7 @@
           <p:cNvPr id="3" name="Title 2">
             <a:extLst>
               <a:ext uri="{FF2B5EF4-FFF2-40B4-BE49-F238E27FC236}">
-                <a16:creationId xmlns="" xmlns:a16="http://schemas.microsoft.com/office/drawing/2014/main" id="{B55F0ED3-C15A-4FFE-A1EB-55AA5A1CEB57}"/>
+                <a16:creationId xmlns:a16="http://schemas.microsoft.com/office/drawing/2014/main" id="{B55F0ED3-C15A-4FFE-A1EB-55AA5A1CEB57}"/>
               </a:ext>
             </a:extLst>
           </p:cNvPr>
@@ -12857,7 +12625,7 @@
           <p:cNvPr id="4" name="Content Placeholder 3">
             <a:extLst>
               <a:ext uri="{FF2B5EF4-FFF2-40B4-BE49-F238E27FC236}">
-                <a16:creationId xmlns="" xmlns:a16="http://schemas.microsoft.com/office/drawing/2014/main" id="{B578903D-5D8A-48A0-8BBC-7E7B23145777}"/>
+                <a16:creationId xmlns:a16="http://schemas.microsoft.com/office/drawing/2014/main" id="{B578903D-5D8A-48A0-8BBC-7E7B23145777}"/>
               </a:ext>
             </a:extLst>
           </p:cNvPr>
@@ -12876,23 +12644,14 @@
           <a:lstStyle/>
           <a:p>
             <a:r>
-              <a:rPr lang="en-US" dirty="0" smtClean="0"/>
+              <a:rPr lang="en-US" dirty="0"/>
               <a:t>IBU increases as ABV increases</a:t>
             </a:r>
-            <a:endParaRPr lang="en-US" dirty="0"/>
           </a:p>
           <a:p>
             <a:r>
               <a:rPr lang="en-US" dirty="0"/>
-              <a:t>M</a:t>
-            </a:r>
-            <a:r>
-              <a:rPr lang="en-US" dirty="0" smtClean="0"/>
-              <a:t>ust </a:t>
-            </a:r>
-            <a:r>
-              <a:rPr lang="en-US" dirty="0"/>
-              <a:t>note that we only have an IBU value for 41.7% of the 2410 beers therefore further analysis may be needed</a:t>
+              <a:t>Must note that we only have an IBU value for 41.7% of the 2410 beers therefore further analysis may be needed</a:t>
             </a:r>
           </a:p>
           <a:p>
@@ -12926,7 +12685,7 @@
           <p:cNvPr id="3" name="Title 2">
             <a:extLst>
               <a:ext uri="{FF2B5EF4-FFF2-40B4-BE49-F238E27FC236}">
-                <a16:creationId xmlns="" xmlns:a16="http://schemas.microsoft.com/office/drawing/2014/main" id="{B55F0ED3-C15A-4FFE-A1EB-55AA5A1CEB57}"/>
+                <a16:creationId xmlns:a16="http://schemas.microsoft.com/office/drawing/2014/main" id="{B55F0ED3-C15A-4FFE-A1EB-55AA5A1CEB57}"/>
               </a:ext>
             </a:extLst>
           </p:cNvPr>
@@ -12956,7 +12715,7 @@
           <p:cNvPr id="3074" name="Picture 2" descr="unnamed-chunk-7-1.png">
             <a:extLst>
               <a:ext uri="{FF2B5EF4-FFF2-40B4-BE49-F238E27FC236}">
-                <a16:creationId xmlns="" xmlns:a16="http://schemas.microsoft.com/office/drawing/2014/main" id="{02171EDF-A993-43F4-887D-2A451596CACD}"/>
+                <a16:creationId xmlns:a16="http://schemas.microsoft.com/office/drawing/2014/main" id="{02171EDF-A993-43F4-887D-2A451596CACD}"/>
               </a:ext>
             </a:extLst>
           </p:cNvPr>

--- a/Case study1016.pptx
+++ b/Case study1016.pptx
@@ -15,9 +15,10 @@
     <p:sldId id="263" r:id="rId9"/>
     <p:sldId id="264" r:id="rId10"/>
     <p:sldId id="265" r:id="rId11"/>
-    <p:sldId id="268" r:id="rId12"/>
-    <p:sldId id="266" r:id="rId13"/>
-    <p:sldId id="267" r:id="rId14"/>
+    <p:sldId id="271" r:id="rId12"/>
+    <p:sldId id="268" r:id="rId13"/>
+    <p:sldId id="266" r:id="rId14"/>
+    <p:sldId id="267" r:id="rId15"/>
   </p:sldIdLst>
   <p:sldSz cx="12192000" cy="6858000"/>
   <p:notesSz cx="6858000" cy="9144000"/>
@@ -4070,13 +4071,8 @@
           <a:p>
             <a:r>
               <a:rPr lang="en-US" dirty="0"/>
-              <a:t>In depth analysis of Colorado is recommended for possible acquisitions </a:t>
+              <a:t>In depth analysis of Colorado is recommended for possible acquisitions and consolidation.</a:t>
             </a:r>
-            <a:r>
-              <a:rPr lang="en-US"/>
-              <a:t>and consolidation.</a:t>
-            </a:r>
-            <a:endParaRPr lang="en-US" dirty="0"/>
           </a:p>
           <a:p>
             <a:r>
@@ -4624,6 +4620,277 @@
       </p:grpSpPr>
       <p:sp>
         <p:nvSpPr>
+          <p:cNvPr id="2" name="Title 1">
+            <a:extLst>
+              <a:ext uri="{FF2B5EF4-FFF2-40B4-BE49-F238E27FC236}">
+                <a16:creationId xmlns:a16="http://schemas.microsoft.com/office/drawing/2014/main" id="{1FEB030F-C9C4-4CFE-B761-A190D2EC0DE8}"/>
+              </a:ext>
+            </a:extLst>
+          </p:cNvPr>
+          <p:cNvSpPr>
+            <a:spLocks noGrp="1"/>
+          </p:cNvSpPr>
+          <p:nvPr>
+            <p:ph type="title"/>
+          </p:nvPr>
+        </p:nvSpPr>
+        <p:spPr/>
+        <p:txBody>
+          <a:bodyPr/>
+          <a:lstStyle/>
+          <a:p>
+            <a:r>
+              <a:rPr lang="en-US" dirty="0"/>
+              <a:t>Summary</a:t>
+            </a:r>
+          </a:p>
+        </p:txBody>
+      </p:sp>
+      <p:sp>
+        <p:nvSpPr>
+          <p:cNvPr id="4" name="Content Placeholder 2">
+            <a:extLst>
+              <a:ext uri="{FF2B5EF4-FFF2-40B4-BE49-F238E27FC236}">
+                <a16:creationId xmlns:a16="http://schemas.microsoft.com/office/drawing/2014/main" id="{21469246-1468-4377-87B6-F56F73E0899C}"/>
+              </a:ext>
+            </a:extLst>
+          </p:cNvPr>
+          <p:cNvSpPr txBox="1">
+            <a:spLocks/>
+          </p:cNvSpPr>
+          <p:nvPr/>
+        </p:nvSpPr>
+        <p:spPr>
+          <a:xfrm>
+            <a:off x="507999" y="1719071"/>
+            <a:ext cx="11289260" cy="4407408"/>
+          </a:xfrm>
+          <a:prstGeom prst="rect">
+            <a:avLst/>
+          </a:prstGeom>
+        </p:spPr>
+        <p:txBody>
+          <a:bodyPr>
+            <a:normAutofit/>
+          </a:bodyPr>
+          <a:lstStyle>
+            <a:lvl1pPr marL="274320" indent="-228600" algn="l" defTabSz="914400" rtl="0" eaLnBrk="1" latinLnBrk="0" hangingPunct="1">
+              <a:spcBef>
+                <a:spcPct val="20000"/>
+              </a:spcBef>
+              <a:buClr>
+                <a:schemeClr val="accent1"/>
+              </a:buClr>
+              <a:buFont typeface="Wingdings 2" pitchFamily="18" charset="2"/>
+              <a:buChar char=""/>
+              <a:defRPr sz="2000" kern="1200" spc="150" baseline="0">
+                <a:solidFill>
+                  <a:schemeClr val="tx2"/>
+                </a:solidFill>
+                <a:latin typeface="+mn-lt"/>
+                <a:ea typeface="+mn-ea"/>
+                <a:cs typeface="+mn-cs"/>
+              </a:defRPr>
+            </a:lvl1pPr>
+            <a:lvl2pPr marL="548640" indent="-182880" algn="l" defTabSz="914400" rtl="0" eaLnBrk="1" latinLnBrk="0" hangingPunct="1">
+              <a:spcBef>
+                <a:spcPct val="20000"/>
+              </a:spcBef>
+              <a:buClr>
+                <a:schemeClr val="accent2"/>
+              </a:buClr>
+              <a:buFont typeface="Wingdings" pitchFamily="2" charset="2"/>
+              <a:buChar char="§"/>
+              <a:defRPr sz="1800" kern="1200" spc="100" baseline="0">
+                <a:solidFill>
+                  <a:schemeClr val="tx2"/>
+                </a:solidFill>
+                <a:latin typeface="+mn-lt"/>
+                <a:ea typeface="+mn-ea"/>
+                <a:cs typeface="+mn-cs"/>
+              </a:defRPr>
+            </a:lvl2pPr>
+            <a:lvl3pPr marL="822960" indent="-182880" algn="l" defTabSz="914400" rtl="0" eaLnBrk="1" latinLnBrk="0" hangingPunct="1">
+              <a:spcBef>
+                <a:spcPct val="20000"/>
+              </a:spcBef>
+              <a:buClr>
+                <a:schemeClr val="accent3"/>
+              </a:buClr>
+              <a:buFont typeface="Wingdings" pitchFamily="2" charset="2"/>
+              <a:buChar char="§"/>
+              <a:defRPr sz="1600" kern="1200" spc="100" baseline="0">
+                <a:solidFill>
+                  <a:schemeClr val="tx2"/>
+                </a:solidFill>
+                <a:latin typeface="+mn-lt"/>
+                <a:ea typeface="+mn-ea"/>
+                <a:cs typeface="+mn-cs"/>
+              </a:defRPr>
+            </a:lvl3pPr>
+            <a:lvl4pPr marL="1097280" indent="-182880" algn="l" defTabSz="914400" rtl="0" eaLnBrk="1" latinLnBrk="0" hangingPunct="1">
+              <a:spcBef>
+                <a:spcPct val="20000"/>
+              </a:spcBef>
+              <a:buClr>
+                <a:schemeClr val="accent4"/>
+              </a:buClr>
+              <a:buFont typeface="Wingdings" pitchFamily="2" charset="2"/>
+              <a:buChar char="§"/>
+              <a:defRPr sz="1400" kern="1200">
+                <a:solidFill>
+                  <a:schemeClr val="tx2"/>
+                </a:solidFill>
+                <a:latin typeface="+mn-lt"/>
+                <a:ea typeface="+mn-ea"/>
+                <a:cs typeface="+mn-cs"/>
+              </a:defRPr>
+            </a:lvl4pPr>
+            <a:lvl5pPr marL="1280160" indent="-182880" algn="l" defTabSz="914400" rtl="0" eaLnBrk="1" latinLnBrk="0" hangingPunct="1">
+              <a:spcBef>
+                <a:spcPct val="20000"/>
+              </a:spcBef>
+              <a:buClr>
+                <a:schemeClr val="accent6"/>
+              </a:buClr>
+              <a:buFont typeface="Wingdings" pitchFamily="2" charset="2"/>
+              <a:buChar char="§"/>
+              <a:defRPr sz="1300" kern="1200" spc="100" baseline="0">
+                <a:solidFill>
+                  <a:schemeClr val="tx2"/>
+                </a:solidFill>
+                <a:latin typeface="+mn-lt"/>
+                <a:ea typeface="+mn-ea"/>
+                <a:cs typeface="+mn-cs"/>
+              </a:defRPr>
+            </a:lvl5pPr>
+            <a:lvl6pPr marL="1554480" indent="-182880" algn="l" defTabSz="914400" rtl="0" eaLnBrk="1" latinLnBrk="0" hangingPunct="1">
+              <a:spcBef>
+                <a:spcPct val="20000"/>
+              </a:spcBef>
+              <a:buClr>
+                <a:schemeClr val="accent1"/>
+              </a:buClr>
+              <a:buFont typeface="Wingdings" pitchFamily="2" charset="2"/>
+              <a:buChar char="§"/>
+              <a:defRPr sz="1200" kern="1200">
+                <a:solidFill>
+                  <a:schemeClr val="tx2"/>
+                </a:solidFill>
+                <a:latin typeface="+mn-lt"/>
+                <a:ea typeface="+mn-ea"/>
+                <a:cs typeface="+mn-cs"/>
+              </a:defRPr>
+            </a:lvl6pPr>
+            <a:lvl7pPr marL="1828800" indent="-182880" algn="l" defTabSz="914400" rtl="0" eaLnBrk="1" latinLnBrk="0" hangingPunct="1">
+              <a:spcBef>
+                <a:spcPct val="20000"/>
+              </a:spcBef>
+              <a:buClr>
+                <a:schemeClr val="accent2"/>
+              </a:buClr>
+              <a:buFont typeface="Wingdings" pitchFamily="2" charset="2"/>
+              <a:buChar char="§"/>
+              <a:defRPr sz="1200" kern="1200">
+                <a:solidFill>
+                  <a:schemeClr val="tx2"/>
+                </a:solidFill>
+                <a:latin typeface="+mn-lt"/>
+                <a:ea typeface="+mn-ea"/>
+                <a:cs typeface="+mn-cs"/>
+              </a:defRPr>
+            </a:lvl7pPr>
+            <a:lvl8pPr marL="2103120" indent="-182880" algn="l" defTabSz="914400" rtl="0" eaLnBrk="1" latinLnBrk="0" hangingPunct="1">
+              <a:spcBef>
+                <a:spcPct val="20000"/>
+              </a:spcBef>
+              <a:buClr>
+                <a:schemeClr val="accent3"/>
+              </a:buClr>
+              <a:buFont typeface="Wingdings" pitchFamily="2" charset="2"/>
+              <a:buChar char="§"/>
+              <a:defRPr sz="1200" kern="1200">
+                <a:solidFill>
+                  <a:schemeClr val="tx2"/>
+                </a:solidFill>
+                <a:latin typeface="+mn-lt"/>
+                <a:ea typeface="+mn-ea"/>
+                <a:cs typeface="+mn-cs"/>
+              </a:defRPr>
+            </a:lvl8pPr>
+            <a:lvl9pPr marL="2377440" indent="-182880" algn="l" defTabSz="914400" rtl="0" eaLnBrk="1" latinLnBrk="0" hangingPunct="1">
+              <a:spcBef>
+                <a:spcPct val="20000"/>
+              </a:spcBef>
+              <a:buClr>
+                <a:schemeClr val="accent5"/>
+              </a:buClr>
+              <a:buFont typeface="Wingdings" pitchFamily="2" charset="2"/>
+              <a:buChar char="§"/>
+              <a:defRPr sz="1200" kern="1200">
+                <a:solidFill>
+                  <a:schemeClr val="tx2"/>
+                </a:solidFill>
+                <a:latin typeface="+mn-lt"/>
+                <a:ea typeface="+mn-ea"/>
+                <a:cs typeface="+mn-cs"/>
+              </a:defRPr>
+            </a:lvl9pPr>
+          </a:lstStyle>
+          <a:p>
+            <a:r>
+              <a:rPr lang="en-US" dirty="0"/>
+              <a:t>Alcohol Content and Bitterness showed a correlation, but the strength of that correlation was not examined in this analysis.</a:t>
+            </a:r>
+          </a:p>
+          <a:p>
+            <a:r>
+              <a:rPr lang="en-US" dirty="0"/>
+              <a:t>Further investigation is recommended for determining geographic significance or breweries and testing for </a:t>
+            </a:r>
+            <a:r>
+              <a:rPr lang="en-US"/>
+              <a:t>regional palates.</a:t>
+            </a:r>
+            <a:endParaRPr lang="en-US" dirty="0"/>
+          </a:p>
+          <a:p>
+            <a:endParaRPr lang="en-US" b="1" dirty="0"/>
+          </a:p>
+        </p:txBody>
+      </p:sp>
+    </p:spTree>
+    <p:extLst>
+      <p:ext uri="{BB962C8B-B14F-4D97-AF65-F5344CB8AC3E}">
+        <p14:creationId xmlns:p14="http://schemas.microsoft.com/office/powerpoint/2010/main" val="2738358167"/>
+      </p:ext>
+    </p:extLst>
+  </p:cSld>
+  <p:clrMapOvr>
+    <a:masterClrMapping/>
+  </p:clrMapOvr>
+</p:sld>
+</file>
+
+<file path=ppt/slides/slide12.xml><?xml version="1.0" encoding="utf-8"?>
+<p:sld xmlns:a="http://schemas.openxmlformats.org/drawingml/2006/main" xmlns:r="http://schemas.openxmlformats.org/officeDocument/2006/relationships" xmlns:p="http://schemas.openxmlformats.org/presentationml/2006/main">
+  <p:cSld>
+    <p:spTree>
+      <p:nvGrpSpPr>
+        <p:cNvPr id="1" name=""/>
+        <p:cNvGrpSpPr/>
+        <p:nvPr/>
+      </p:nvGrpSpPr>
+      <p:grpSpPr>
+        <a:xfrm>
+          <a:off x="0" y="0"/>
+          <a:ext cx="0" cy="0"/>
+          <a:chOff x="0" y="0"/>
+          <a:chExt cx="0" cy="0"/>
+        </a:xfrm>
+      </p:grpSpPr>
+      <p:sp>
+        <p:nvSpPr>
           <p:cNvPr id="2" name="Text Placeholder 1"/>
           <p:cNvSpPr>
             <a:spLocks noGrp="1"/>
@@ -4682,7 +4949,7 @@
 </p:sld>
 </file>
 
-<file path=ppt/slides/slide12.xml><?xml version="1.0" encoding="utf-8"?>
+<file path=ppt/slides/slide13.xml><?xml version="1.0" encoding="utf-8"?>
 <p:sld xmlns:a="http://schemas.openxmlformats.org/drawingml/2006/main" xmlns:r="http://schemas.openxmlformats.org/officeDocument/2006/relationships" xmlns:p="http://schemas.openxmlformats.org/presentationml/2006/main">
   <p:cSld>
     <p:spTree>
@@ -4800,7 +5067,7 @@
 </p:sld>
 </file>
 
-<file path=ppt/slides/slide13.xml><?xml version="1.0" encoding="utf-8"?>
+<file path=ppt/slides/slide14.xml><?xml version="1.0" encoding="utf-8"?>
 <p:sld xmlns:a="http://schemas.openxmlformats.org/drawingml/2006/main" xmlns:r="http://schemas.openxmlformats.org/officeDocument/2006/relationships" xmlns:p="http://schemas.openxmlformats.org/presentationml/2006/main">
   <p:cSld>
     <p:spTree>
